--- a/Session 6/06a - Intro to RNNs.pptx
+++ b/Session 6/06a - Intro to RNNs.pptx
@@ -268,8 +268,11 @@
     </a:lvl9pPr>
   </p:defaultTextStyle>
   <p:extLst>
+    <p:ext uri="{EFAFB233-063F-42B5-8137-9DF3F51BA10A}">
+      <p15:sldGuideLst xmlns:p15="http://schemas.microsoft.com/office/powerpoint/2012/main"/>
+    </p:ext>
     <p:ext uri="http://customooxmlschemas.google.com/">
-      <go:slidesCustomData xmlns:go="http://customooxmlschemas.google.com/" xmlns:ahyp="http://schemas.microsoft.com/office/drawing/2018/hyperlinkcolor" xmlns:p15="http://schemas.microsoft.com/office/powerpoint/2012/main" xmlns:p14="http://schemas.microsoft.com/office/powerpoint/2010/main" xmlns:com="http://schemas.openxmlformats.org/drawingml/2006/compatibility" xmlns:pvml="urn:schemas-microsoft-com:office:powerpoint" xmlns:v="urn:schemas-microsoft-com:vml" xmlns:o="urn:schemas-microsoft-com:office:office" xmlns:dgm="http://schemas.openxmlformats.org/drawingml/2006/diagram" xmlns:c="http://schemas.openxmlformats.org/drawingml/2006/chart" xmlns:mv="urn:schemas-microsoft-com:mac:vml" xmlns:mc="http://schemas.openxmlformats.org/markup-compatibility/2006" xmlns="" r:id="rId27" roundtripDataSignature="AMtx7mjAQKZySdg/P/Vplzw0YdJXlL8a0A=="/>
+      <go:slidesCustomData xmlns="" xmlns:mc="http://schemas.openxmlformats.org/markup-compatibility/2006" xmlns:mv="urn:schemas-microsoft-com:mac:vml" xmlns:c="http://schemas.openxmlformats.org/drawingml/2006/chart" xmlns:dgm="http://schemas.openxmlformats.org/drawingml/2006/diagram" xmlns:o="urn:schemas-microsoft-com:office:office" xmlns:v="urn:schemas-microsoft-com:vml" xmlns:pvml="urn:schemas-microsoft-com:office:powerpoint" xmlns:com="http://schemas.openxmlformats.org/drawingml/2006/compatibility" xmlns:p14="http://schemas.microsoft.com/office/powerpoint/2010/main" xmlns:p15="http://schemas.microsoft.com/office/powerpoint/2012/main" xmlns:ahyp="http://schemas.microsoft.com/office/drawing/2018/hyperlinkcolor" xmlns:go="http://customooxmlschemas.google.com/" r:id="rId27" roundtripDataSignature="AMtx7mjAQKZySdg/P/Vplzw0YdJXlL8a0A=="/>
     </p:ext>
   </p:extLst>
 </p:presentation>
@@ -14370,7 +14373,7 @@
         <p:spPr>
           <a:xfrm>
             <a:off x="890337" y="1940249"/>
-            <a:ext cx="10016362" cy="2646838"/>
+            <a:ext cx="10016362" cy="1785064"/>
           </a:xfrm>
           <a:prstGeom prst="rect">
             <a:avLst/>
@@ -14534,55 +14537,6 @@
             <a:endParaRPr dirty="0"/>
           </a:p>
           <a:p>
-            <a:pPr marL="285750" marR="0" lvl="0" indent="-171450" algn="l" rtl="0">
-              <a:spcBef>
-                <a:spcPts val="0"/>
-              </a:spcBef>
-              <a:spcAft>
-                <a:spcPts val="0"/>
-              </a:spcAft>
-              <a:buClr>
-                <a:schemeClr val="dk1"/>
-              </a:buClr>
-              <a:buSzPts val="1800"/>
-              <a:buFont typeface="Arial"/>
-              <a:buNone/>
-            </a:pPr>
-            <a:endParaRPr sz="1800" dirty="0">
-              <a:solidFill>
-                <a:schemeClr val="dk1"/>
-              </a:solidFill>
-              <a:latin typeface="Calibri"/>
-              <a:ea typeface="Calibri"/>
-              <a:cs typeface="Calibri"/>
-              <a:sym typeface="Calibri"/>
-            </a:endParaRPr>
-          </a:p>
-          <a:p>
-            <a:pPr marL="0" marR="0" lvl="0" indent="0" algn="l" rtl="0">
-              <a:spcBef>
-                <a:spcPts val="0"/>
-              </a:spcBef>
-              <a:spcAft>
-                <a:spcPts val="0"/>
-              </a:spcAft>
-              <a:buNone/>
-            </a:pPr>
-            <a:r>
-              <a:rPr lang="en-US" sz="2000" b="1" dirty="0">
-                <a:solidFill>
-                  <a:schemeClr val="dk1"/>
-                </a:solidFill>
-                <a:latin typeface="Quicksand"/>
-                <a:ea typeface="Quicksand"/>
-                <a:cs typeface="Quicksand"/>
-                <a:sym typeface="Quicksand"/>
-              </a:rPr>
-              <a:t>Other Stuff</a:t>
-            </a:r>
-            <a:endParaRPr dirty="0"/>
-          </a:p>
-          <a:p>
             <a:pPr marL="285750" marR="0" lvl="0" indent="-285750" algn="l" rtl="0">
               <a:spcBef>
                 <a:spcPts val="0"/>
@@ -14608,35 +14562,6 @@
                 <a:sym typeface="Calibri"/>
               </a:rPr>
               <a:t>Bidirectional RNN</a:t>
-            </a:r>
-            <a:endParaRPr dirty="0"/>
-          </a:p>
-          <a:p>
-            <a:pPr marL="285750" marR="0" lvl="0" indent="-285750" algn="l" rtl="0">
-              <a:spcBef>
-                <a:spcPts val="0"/>
-              </a:spcBef>
-              <a:spcAft>
-                <a:spcPts val="0"/>
-              </a:spcAft>
-              <a:buClr>
-                <a:schemeClr val="dk1"/>
-              </a:buClr>
-              <a:buSzPts val="1800"/>
-              <a:buFont typeface="Arial"/>
-              <a:buChar char="•"/>
-            </a:pPr>
-            <a:r>
-              <a:rPr lang="en-US" sz="1800" dirty="0">
-                <a:solidFill>
-                  <a:schemeClr val="dk1"/>
-                </a:solidFill>
-                <a:latin typeface="Calibri"/>
-                <a:ea typeface="Calibri"/>
-                <a:cs typeface="Calibri"/>
-                <a:sym typeface="Calibri"/>
-              </a:rPr>
-              <a:t>Advanced Forecasting</a:t>
             </a:r>
             <a:endParaRPr dirty="0"/>
           </a:p>

--- a/Session 6/06a - Intro to RNNs.pptx
+++ b/Session 6/06a - Intro to RNNs.pptx
@@ -5,37 +5,43 @@
     <p:sldMasterId id="2147483648" r:id="rId1"/>
   </p:sldMasterIdLst>
   <p:notesMasterIdLst>
-    <p:notesMasterId r:id="rId15"/>
+    <p:notesMasterId r:id="rId21"/>
   </p:notesMasterIdLst>
   <p:sldIdLst>
     <p:sldId id="256" r:id="rId2"/>
     <p:sldId id="257" r:id="rId3"/>
-    <p:sldId id="261" r:id="rId4"/>
-    <p:sldId id="262" r:id="rId5"/>
-    <p:sldId id="263" r:id="rId6"/>
-    <p:sldId id="264" r:id="rId7"/>
-    <p:sldId id="265" r:id="rId8"/>
-    <p:sldId id="266" r:id="rId9"/>
-    <p:sldId id="267" r:id="rId10"/>
-    <p:sldId id="268" r:id="rId11"/>
-    <p:sldId id="269" r:id="rId12"/>
-    <p:sldId id="270" r:id="rId13"/>
-    <p:sldId id="271" r:id="rId14"/>
+    <p:sldId id="272" r:id="rId4"/>
+    <p:sldId id="275" r:id="rId5"/>
+    <p:sldId id="276" r:id="rId6"/>
+    <p:sldId id="277" r:id="rId7"/>
+    <p:sldId id="262" r:id="rId8"/>
+    <p:sldId id="263" r:id="rId9"/>
+    <p:sldId id="278" r:id="rId10"/>
+    <p:sldId id="269" r:id="rId11"/>
+    <p:sldId id="264" r:id="rId12"/>
+    <p:sldId id="265" r:id="rId13"/>
+    <p:sldId id="266" r:id="rId14"/>
+    <p:sldId id="267" r:id="rId15"/>
+    <p:sldId id="268" r:id="rId16"/>
+    <p:sldId id="279" r:id="rId17"/>
+    <p:sldId id="280" r:id="rId18"/>
+    <p:sldId id="281" r:id="rId19"/>
+    <p:sldId id="271" r:id="rId20"/>
   </p:sldIdLst>
   <p:sldSz cx="12192000" cy="6858000"/>
   <p:notesSz cx="6858000" cy="9144000"/>
   <p:embeddedFontLst>
     <p:embeddedFont>
       <p:font typeface="Economica" panose="02000506040000020004" pitchFamily="2" charset="77"/>
-      <p:regular r:id="rId16"/>
-      <p:bold r:id="rId17"/>
-      <p:italic r:id="rId18"/>
-      <p:boldItalic r:id="rId19"/>
+      <p:regular r:id="rId22"/>
+      <p:bold r:id="rId23"/>
+      <p:italic r:id="rId24"/>
+      <p:boldItalic r:id="rId25"/>
     </p:embeddedFont>
     <p:embeddedFont>
       <p:font typeface="Quicksand" pitchFamily="2" charset="77"/>
-      <p:regular r:id="rId20"/>
-      <p:bold r:id="rId21"/>
+      <p:regular r:id="rId26"/>
+      <p:bold r:id="rId27"/>
     </p:embeddedFont>
   </p:embeddedFontLst>
   <p:defaultTextStyle>
@@ -272,7 +278,7 @@
       <p15:sldGuideLst xmlns:p15="http://schemas.microsoft.com/office/powerpoint/2012/main"/>
     </p:ext>
     <p:ext uri="http://customooxmlschemas.google.com/">
-      <go:slidesCustomData xmlns="" xmlns:mc="http://schemas.openxmlformats.org/markup-compatibility/2006" xmlns:mv="urn:schemas-microsoft-com:mac:vml" xmlns:c="http://schemas.openxmlformats.org/drawingml/2006/chart" xmlns:dgm="http://schemas.openxmlformats.org/drawingml/2006/diagram" xmlns:o="urn:schemas-microsoft-com:office:office" xmlns:v="urn:schemas-microsoft-com:vml" xmlns:pvml="urn:schemas-microsoft-com:office:powerpoint" xmlns:com="http://schemas.openxmlformats.org/drawingml/2006/compatibility" xmlns:p14="http://schemas.microsoft.com/office/powerpoint/2010/main" xmlns:p15="http://schemas.microsoft.com/office/powerpoint/2012/main" xmlns:ahyp="http://schemas.microsoft.com/office/drawing/2018/hyperlinkcolor" xmlns:go="http://customooxmlschemas.google.com/" r:id="rId27" roundtripDataSignature="AMtx7mjAQKZySdg/P/Vplzw0YdJXlL8a0A=="/>
+      <go:slidesCustomData xmlns:go="http://customooxmlschemas.google.com/" xmlns:ahyp="http://schemas.microsoft.com/office/drawing/2018/hyperlinkcolor" xmlns:p15="http://schemas.microsoft.com/office/powerpoint/2012/main" xmlns:p14="http://schemas.microsoft.com/office/powerpoint/2010/main" xmlns:com="http://schemas.openxmlformats.org/drawingml/2006/compatibility" xmlns:pvml="urn:schemas-microsoft-com:office:powerpoint" xmlns:v="urn:schemas-microsoft-com:vml" xmlns:o="urn:schemas-microsoft-com:office:office" xmlns:dgm="http://schemas.openxmlformats.org/drawingml/2006/diagram" xmlns:c="http://schemas.openxmlformats.org/drawingml/2006/chart" xmlns:mv="urn:schemas-microsoft-com:mac:vml" xmlns:mc="http://schemas.openxmlformats.org/markup-compatibility/2006" xmlns="" r:id="rId28" roundtripDataSignature="AMtx7mjAQKZySdg/P/Vplzw0YdJXlL8a0A=="/>
     </p:ext>
   </p:extLst>
 </p:presentation>
@@ -1684,214 +1690,6 @@
   <p:cSld>
     <p:spTree>
       <p:nvGrpSpPr>
-        <p:cNvPr id="1" name="Shape 185"/>
-        <p:cNvGrpSpPr/>
-        <p:nvPr/>
-      </p:nvGrpSpPr>
-      <p:grpSpPr>
-        <a:xfrm>
-          <a:off x="0" y="0"/>
-          <a:ext cx="0" cy="0"/>
-          <a:chOff x="0" y="0"/>
-          <a:chExt cx="0" cy="0"/>
-        </a:xfrm>
-      </p:grpSpPr>
-      <p:sp>
-        <p:nvSpPr>
-          <p:cNvPr id="186" name="Google Shape;186;p13:notes"/>
-          <p:cNvSpPr txBox="1">
-            <a:spLocks noGrp="1"/>
-          </p:cNvSpPr>
-          <p:nvPr>
-            <p:ph type="body" idx="1"/>
-          </p:nvPr>
-        </p:nvSpPr>
-        <p:spPr>
-          <a:xfrm>
-            <a:off x="685800" y="4400550"/>
-            <a:ext cx="5486400" cy="3600450"/>
-          </a:xfrm>
-          <a:prstGeom prst="rect">
-            <a:avLst/>
-          </a:prstGeom>
-        </p:spPr>
-        <p:txBody>
-          <a:bodyPr spcFirstLastPara="1" wrap="square" lIns="91425" tIns="45700" rIns="91425" bIns="45700" anchor="t" anchorCtr="0">
-            <a:noAutofit/>
-          </a:bodyPr>
-          <a:lstStyle/>
-          <a:p>
-            <a:pPr marL="0" lvl="0" indent="0" algn="l" rtl="0">
-              <a:spcBef>
-                <a:spcPts val="0"/>
-              </a:spcBef>
-              <a:spcAft>
-                <a:spcPts val="0"/>
-              </a:spcAft>
-              <a:buNone/>
-            </a:pPr>
-            <a:endParaRPr/>
-          </a:p>
-        </p:txBody>
-      </p:sp>
-      <p:sp>
-        <p:nvSpPr>
-          <p:cNvPr id="187" name="Google Shape;187;p13:notes"/>
-          <p:cNvSpPr>
-            <a:spLocks noGrp="1" noRot="1" noChangeAspect="1"/>
-          </p:cNvSpPr>
-          <p:nvPr>
-            <p:ph type="sldImg" idx="2"/>
-          </p:nvPr>
-        </p:nvSpPr>
-        <p:spPr>
-          <a:xfrm>
-            <a:off x="685800" y="1143000"/>
-            <a:ext cx="5486400" cy="3086100"/>
-          </a:xfrm>
-          <a:custGeom>
-            <a:avLst/>
-            <a:gdLst/>
-            <a:ahLst/>
-            <a:cxnLst/>
-            <a:rect l="l" t="t" r="r" b="b"/>
-            <a:pathLst>
-              <a:path w="120000" h="120000" extrusionOk="0">
-                <a:moveTo>
-                  <a:pt x="0" y="0"/>
-                </a:moveTo>
-                <a:lnTo>
-                  <a:pt x="120000" y="0"/>
-                </a:lnTo>
-                <a:lnTo>
-                  <a:pt x="120000" y="120000"/>
-                </a:lnTo>
-                <a:lnTo>
-                  <a:pt x="0" y="120000"/>
-                </a:lnTo>
-                <a:close/>
-              </a:path>
-            </a:pathLst>
-          </a:custGeom>
-        </p:spPr>
-      </p:sp>
-    </p:spTree>
-  </p:cSld>
-  <p:clrMapOvr>
-    <a:masterClrMapping/>
-  </p:clrMapOvr>
-</p:notes>
-</file>
-
-<file path=ppt/notesSlides/notesSlide12.xml><?xml version="1.0" encoding="utf-8"?>
-<p:notes xmlns:a="http://schemas.openxmlformats.org/drawingml/2006/main" xmlns:r="http://schemas.openxmlformats.org/officeDocument/2006/relationships" xmlns:p="http://schemas.openxmlformats.org/presentationml/2006/main" showMasterSp="0" showMasterPhAnim="0">
-  <p:cSld>
-    <p:spTree>
-      <p:nvGrpSpPr>
-        <p:cNvPr id="1" name="Shape 192"/>
-        <p:cNvGrpSpPr/>
-        <p:nvPr/>
-      </p:nvGrpSpPr>
-      <p:grpSpPr>
-        <a:xfrm>
-          <a:off x="0" y="0"/>
-          <a:ext cx="0" cy="0"/>
-          <a:chOff x="0" y="0"/>
-          <a:chExt cx="0" cy="0"/>
-        </a:xfrm>
-      </p:grpSpPr>
-      <p:sp>
-        <p:nvSpPr>
-          <p:cNvPr id="193" name="Google Shape;193;p14:notes"/>
-          <p:cNvSpPr txBox="1">
-            <a:spLocks noGrp="1"/>
-          </p:cNvSpPr>
-          <p:nvPr>
-            <p:ph type="body" idx="1"/>
-          </p:nvPr>
-        </p:nvSpPr>
-        <p:spPr>
-          <a:xfrm>
-            <a:off x="685800" y="4400550"/>
-            <a:ext cx="5486400" cy="3600450"/>
-          </a:xfrm>
-          <a:prstGeom prst="rect">
-            <a:avLst/>
-          </a:prstGeom>
-        </p:spPr>
-        <p:txBody>
-          <a:bodyPr spcFirstLastPara="1" wrap="square" lIns="91425" tIns="45700" rIns="91425" bIns="45700" anchor="t" anchorCtr="0">
-            <a:noAutofit/>
-          </a:bodyPr>
-          <a:lstStyle/>
-          <a:p>
-            <a:pPr marL="0" lvl="0" indent="0" algn="l" rtl="0">
-              <a:spcBef>
-                <a:spcPts val="0"/>
-              </a:spcBef>
-              <a:spcAft>
-                <a:spcPts val="0"/>
-              </a:spcAft>
-              <a:buNone/>
-            </a:pPr>
-            <a:endParaRPr/>
-          </a:p>
-        </p:txBody>
-      </p:sp>
-      <p:sp>
-        <p:nvSpPr>
-          <p:cNvPr id="194" name="Google Shape;194;p14:notes"/>
-          <p:cNvSpPr>
-            <a:spLocks noGrp="1" noRot="1" noChangeAspect="1"/>
-          </p:cNvSpPr>
-          <p:nvPr>
-            <p:ph type="sldImg" idx="2"/>
-          </p:nvPr>
-        </p:nvSpPr>
-        <p:spPr>
-          <a:xfrm>
-            <a:off x="685800" y="1143000"/>
-            <a:ext cx="5486400" cy="3086100"/>
-          </a:xfrm>
-          <a:custGeom>
-            <a:avLst/>
-            <a:gdLst/>
-            <a:ahLst/>
-            <a:cxnLst/>
-            <a:rect l="l" t="t" r="r" b="b"/>
-            <a:pathLst>
-              <a:path w="120000" h="120000" extrusionOk="0">
-                <a:moveTo>
-                  <a:pt x="0" y="0"/>
-                </a:moveTo>
-                <a:lnTo>
-                  <a:pt x="120000" y="0"/>
-                </a:lnTo>
-                <a:lnTo>
-                  <a:pt x="120000" y="120000"/>
-                </a:lnTo>
-                <a:lnTo>
-                  <a:pt x="0" y="120000"/>
-                </a:lnTo>
-                <a:close/>
-              </a:path>
-            </a:pathLst>
-          </a:custGeom>
-        </p:spPr>
-      </p:sp>
-    </p:spTree>
-  </p:cSld>
-  <p:clrMapOvr>
-    <a:masterClrMapping/>
-  </p:clrMapOvr>
-</p:notes>
-</file>
-
-<file path=ppt/notesSlides/notesSlide13.xml><?xml version="1.0" encoding="utf-8"?>
-<p:notes xmlns:a="http://schemas.openxmlformats.org/drawingml/2006/main" xmlns:r="http://schemas.openxmlformats.org/officeDocument/2006/relationships" xmlns:p="http://schemas.openxmlformats.org/presentationml/2006/main" showMasterSp="0" showMasterPhAnim="0">
-  <p:cSld>
-    <p:spTree>
-      <p:nvGrpSpPr>
         <p:cNvPr id="1" name="Shape 199"/>
         <p:cNvGrpSpPr/>
         <p:nvPr/>
@@ -2041,7 +1839,7 @@
             </a:pPr>
             <a:fld id="{00000000-1234-1234-1234-123412341234}" type="slidenum">
               <a:rPr lang="en-US"/>
-              <a:t>13</a:t>
+              <a:t>19</a:t>
             </a:fld>
             <a:endParaRPr/>
           </a:p>
@@ -2164,110 +1962,6 @@
   <p:cSld>
     <p:spTree>
       <p:nvGrpSpPr>
-        <p:cNvPr id="1" name="Shape 126"/>
-        <p:cNvGrpSpPr/>
-        <p:nvPr/>
-      </p:nvGrpSpPr>
-      <p:grpSpPr>
-        <a:xfrm>
-          <a:off x="0" y="0"/>
-          <a:ext cx="0" cy="0"/>
-          <a:chOff x="0" y="0"/>
-          <a:chExt cx="0" cy="0"/>
-        </a:xfrm>
-      </p:grpSpPr>
-      <p:sp>
-        <p:nvSpPr>
-          <p:cNvPr id="127" name="Google Shape;127;p6:notes"/>
-          <p:cNvSpPr txBox="1">
-            <a:spLocks noGrp="1"/>
-          </p:cNvSpPr>
-          <p:nvPr>
-            <p:ph type="body" idx="1"/>
-          </p:nvPr>
-        </p:nvSpPr>
-        <p:spPr>
-          <a:xfrm>
-            <a:off x="685800" y="4400550"/>
-            <a:ext cx="5486400" cy="3600450"/>
-          </a:xfrm>
-          <a:prstGeom prst="rect">
-            <a:avLst/>
-          </a:prstGeom>
-        </p:spPr>
-        <p:txBody>
-          <a:bodyPr spcFirstLastPara="1" wrap="square" lIns="91425" tIns="45700" rIns="91425" bIns="45700" anchor="t" anchorCtr="0">
-            <a:noAutofit/>
-          </a:bodyPr>
-          <a:lstStyle/>
-          <a:p>
-            <a:pPr marL="0" lvl="0" indent="0" algn="l" rtl="0">
-              <a:spcBef>
-                <a:spcPts val="0"/>
-              </a:spcBef>
-              <a:spcAft>
-                <a:spcPts val="0"/>
-              </a:spcAft>
-              <a:buNone/>
-            </a:pPr>
-            <a:endParaRPr/>
-          </a:p>
-        </p:txBody>
-      </p:sp>
-      <p:sp>
-        <p:nvSpPr>
-          <p:cNvPr id="128" name="Google Shape;128;p6:notes"/>
-          <p:cNvSpPr>
-            <a:spLocks noGrp="1" noRot="1" noChangeAspect="1"/>
-          </p:cNvSpPr>
-          <p:nvPr>
-            <p:ph type="sldImg" idx="2"/>
-          </p:nvPr>
-        </p:nvSpPr>
-        <p:spPr>
-          <a:xfrm>
-            <a:off x="685800" y="1143000"/>
-            <a:ext cx="5486400" cy="3086100"/>
-          </a:xfrm>
-          <a:custGeom>
-            <a:avLst/>
-            <a:gdLst/>
-            <a:ahLst/>
-            <a:cxnLst/>
-            <a:rect l="l" t="t" r="r" b="b"/>
-            <a:pathLst>
-              <a:path w="120000" h="120000" extrusionOk="0">
-                <a:moveTo>
-                  <a:pt x="0" y="0"/>
-                </a:moveTo>
-                <a:lnTo>
-                  <a:pt x="120000" y="0"/>
-                </a:lnTo>
-                <a:lnTo>
-                  <a:pt x="120000" y="120000"/>
-                </a:lnTo>
-                <a:lnTo>
-                  <a:pt x="0" y="120000"/>
-                </a:lnTo>
-                <a:close/>
-              </a:path>
-            </a:pathLst>
-          </a:custGeom>
-        </p:spPr>
-      </p:sp>
-    </p:spTree>
-  </p:cSld>
-  <p:clrMapOvr>
-    <a:masterClrMapping/>
-  </p:clrMapOvr>
-</p:notes>
-</file>
-
-<file path=ppt/notesSlides/notesSlide4.xml><?xml version="1.0" encoding="utf-8"?>
-<p:notes xmlns:a="http://schemas.openxmlformats.org/drawingml/2006/main" xmlns:r="http://schemas.openxmlformats.org/officeDocument/2006/relationships" xmlns:p="http://schemas.openxmlformats.org/presentationml/2006/main" showMasterSp="0" showMasterPhAnim="0">
-  <p:cSld>
-    <p:spTree>
-      <p:nvGrpSpPr>
         <p:cNvPr id="1" name="Shape 134"/>
         <p:cNvGrpSpPr/>
         <p:nvPr/>
@@ -2367,7 +2061,7 @@
 </p:notes>
 </file>
 
-<file path=ppt/notesSlides/notesSlide5.xml><?xml version="1.0" encoding="utf-8"?>
+<file path=ppt/notesSlides/notesSlide4.xml><?xml version="1.0" encoding="utf-8"?>
 <p:notes xmlns:a="http://schemas.openxmlformats.org/drawingml/2006/main" xmlns:r="http://schemas.openxmlformats.org/officeDocument/2006/relationships" xmlns:p="http://schemas.openxmlformats.org/presentationml/2006/main" showMasterSp="0" showMasterPhAnim="0">
   <p:cSld>
     <p:spTree>
@@ -2425,6 +2119,110 @@
       <p:sp>
         <p:nvSpPr>
           <p:cNvPr id="143" name="Google Shape;143;p8:notes"/>
+          <p:cNvSpPr>
+            <a:spLocks noGrp="1" noRot="1" noChangeAspect="1"/>
+          </p:cNvSpPr>
+          <p:nvPr>
+            <p:ph type="sldImg" idx="2"/>
+          </p:nvPr>
+        </p:nvSpPr>
+        <p:spPr>
+          <a:xfrm>
+            <a:off x="685800" y="1143000"/>
+            <a:ext cx="5486400" cy="3086100"/>
+          </a:xfrm>
+          <a:custGeom>
+            <a:avLst/>
+            <a:gdLst/>
+            <a:ahLst/>
+            <a:cxnLst/>
+            <a:rect l="l" t="t" r="r" b="b"/>
+            <a:pathLst>
+              <a:path w="120000" h="120000" extrusionOk="0">
+                <a:moveTo>
+                  <a:pt x="0" y="0"/>
+                </a:moveTo>
+                <a:lnTo>
+                  <a:pt x="120000" y="0"/>
+                </a:lnTo>
+                <a:lnTo>
+                  <a:pt x="120000" y="120000"/>
+                </a:lnTo>
+                <a:lnTo>
+                  <a:pt x="0" y="120000"/>
+                </a:lnTo>
+                <a:close/>
+              </a:path>
+            </a:pathLst>
+          </a:custGeom>
+        </p:spPr>
+      </p:sp>
+    </p:spTree>
+  </p:cSld>
+  <p:clrMapOvr>
+    <a:masterClrMapping/>
+  </p:clrMapOvr>
+</p:notes>
+</file>
+
+<file path=ppt/notesSlides/notesSlide5.xml><?xml version="1.0" encoding="utf-8"?>
+<p:notes xmlns:a="http://schemas.openxmlformats.org/drawingml/2006/main" xmlns:r="http://schemas.openxmlformats.org/officeDocument/2006/relationships" xmlns:p="http://schemas.openxmlformats.org/presentationml/2006/main" showMasterSp="0" showMasterPhAnim="0">
+  <p:cSld>
+    <p:spTree>
+      <p:nvGrpSpPr>
+        <p:cNvPr id="1" name="Shape 185"/>
+        <p:cNvGrpSpPr/>
+        <p:nvPr/>
+      </p:nvGrpSpPr>
+      <p:grpSpPr>
+        <a:xfrm>
+          <a:off x="0" y="0"/>
+          <a:ext cx="0" cy="0"/>
+          <a:chOff x="0" y="0"/>
+          <a:chExt cx="0" cy="0"/>
+        </a:xfrm>
+      </p:grpSpPr>
+      <p:sp>
+        <p:nvSpPr>
+          <p:cNvPr id="186" name="Google Shape;186;p13:notes"/>
+          <p:cNvSpPr txBox="1">
+            <a:spLocks noGrp="1"/>
+          </p:cNvSpPr>
+          <p:nvPr>
+            <p:ph type="body" idx="1"/>
+          </p:nvPr>
+        </p:nvSpPr>
+        <p:spPr>
+          <a:xfrm>
+            <a:off x="685800" y="4400550"/>
+            <a:ext cx="5486400" cy="3600450"/>
+          </a:xfrm>
+          <a:prstGeom prst="rect">
+            <a:avLst/>
+          </a:prstGeom>
+        </p:spPr>
+        <p:txBody>
+          <a:bodyPr spcFirstLastPara="1" wrap="square" lIns="91425" tIns="45700" rIns="91425" bIns="45700" anchor="t" anchorCtr="0">
+            <a:noAutofit/>
+          </a:bodyPr>
+          <a:lstStyle/>
+          <a:p>
+            <a:pPr marL="0" lvl="0" indent="0" algn="l" rtl="0">
+              <a:spcBef>
+                <a:spcPts val="0"/>
+              </a:spcBef>
+              <a:spcAft>
+                <a:spcPts val="0"/>
+              </a:spcAft>
+              <a:buNone/>
+            </a:pPr>
+            <a:endParaRPr/>
+          </a:p>
+        </p:txBody>
+      </p:sp>
+      <p:sp>
+        <p:nvSpPr>
+          <p:cNvPr id="187" name="Google Shape;187;p13:notes"/>
           <p:cNvSpPr>
             <a:spLocks noGrp="1" noRot="1" noChangeAspect="1"/>
           </p:cNvSpPr>
@@ -2607,7 +2405,7 @@
             </a:pPr>
             <a:fld id="{00000000-1234-1234-1234-123412341234}" type="slidenum">
               <a:rPr lang="en-US"/>
-              <a:t>6</a:t>
+              <a:t>11</a:t>
             </a:fld>
             <a:endParaRPr/>
           </a:p>
@@ -2775,7 +2573,7 @@
             </a:pPr>
             <a:fld id="{00000000-1234-1234-1234-123412341234}" type="slidenum">
               <a:rPr lang="en-US"/>
-              <a:t>7</a:t>
+              <a:t>12</a:t>
             </a:fld>
             <a:endParaRPr/>
           </a:p>
@@ -13476,6 +13274,957 @@
     </p:bg>
     <p:spTree>
       <p:nvGrpSpPr>
+        <p:cNvPr id="1" name="Shape 188"/>
+        <p:cNvGrpSpPr/>
+        <p:nvPr/>
+      </p:nvGrpSpPr>
+      <p:grpSpPr>
+        <a:xfrm>
+          <a:off x="0" y="0"/>
+          <a:ext cx="0" cy="0"/>
+          <a:chOff x="0" y="0"/>
+          <a:chExt cx="0" cy="0"/>
+        </a:xfrm>
+      </p:grpSpPr>
+      <p:sp>
+        <p:nvSpPr>
+          <p:cNvPr id="189" name="Google Shape;189;p13"/>
+          <p:cNvSpPr txBox="1"/>
+          <p:nvPr/>
+        </p:nvSpPr>
+        <p:spPr>
+          <a:xfrm>
+            <a:off x="2865520" y="658976"/>
+            <a:ext cx="6460957" cy="923330"/>
+          </a:xfrm>
+          <a:prstGeom prst="rect">
+            <a:avLst/>
+          </a:prstGeom>
+          <a:noFill/>
+          <a:ln>
+            <a:noFill/>
+          </a:ln>
+        </p:spPr>
+        <p:txBody>
+          <a:bodyPr spcFirstLastPara="1" wrap="square" lIns="91425" tIns="45700" rIns="91425" bIns="45700" anchor="t" anchorCtr="0">
+            <a:spAutoFit/>
+          </a:bodyPr>
+          <a:lstStyle/>
+          <a:p>
+            <a:pPr marL="0" marR="0" lvl="0" indent="0" algn="ctr" rtl="0">
+              <a:spcBef>
+                <a:spcPts val="0"/>
+              </a:spcBef>
+              <a:spcAft>
+                <a:spcPts val="0"/>
+              </a:spcAft>
+              <a:buNone/>
+            </a:pPr>
+            <a:r>
+              <a:rPr lang="en-US" sz="5400" dirty="0">
+                <a:solidFill>
+                  <a:schemeClr val="dk1"/>
+                </a:solidFill>
+                <a:latin typeface="Economica"/>
+                <a:ea typeface="Economica"/>
+                <a:cs typeface="Economica"/>
+                <a:sym typeface="Economica"/>
+              </a:rPr>
+              <a:t>Bidirectional RNNs</a:t>
+            </a:r>
+            <a:endParaRPr dirty="0"/>
+          </a:p>
+        </p:txBody>
+      </p:sp>
+      <p:sp>
+        <p:nvSpPr>
+          <p:cNvPr id="190" name="Google Shape;190;p13"/>
+          <p:cNvSpPr txBox="1"/>
+          <p:nvPr/>
+        </p:nvSpPr>
+        <p:spPr>
+          <a:xfrm>
+            <a:off x="890337" y="1861226"/>
+            <a:ext cx="10016362" cy="1231106"/>
+          </a:xfrm>
+          <a:prstGeom prst="rect">
+            <a:avLst/>
+          </a:prstGeom>
+          <a:noFill/>
+          <a:ln>
+            <a:noFill/>
+          </a:ln>
+        </p:spPr>
+        <p:txBody>
+          <a:bodyPr spcFirstLastPara="1" wrap="square" lIns="91425" tIns="45700" rIns="91425" bIns="45700" anchor="t" anchorCtr="0">
+            <a:spAutoFit/>
+          </a:bodyPr>
+          <a:lstStyle/>
+          <a:p>
+            <a:pPr marL="0" marR="0" lvl="0" indent="0" algn="l" rtl="0">
+              <a:spcBef>
+                <a:spcPts val="0"/>
+              </a:spcBef>
+              <a:spcAft>
+                <a:spcPts val="0"/>
+              </a:spcAft>
+              <a:buNone/>
+            </a:pPr>
+            <a:r>
+              <a:rPr lang="en-US" sz="2000" b="1">
+                <a:solidFill>
+                  <a:schemeClr val="dk1"/>
+                </a:solidFill>
+                <a:latin typeface="Quicksand"/>
+                <a:ea typeface="Quicksand"/>
+                <a:cs typeface="Quicksand"/>
+                <a:sym typeface="Quicksand"/>
+              </a:rPr>
+              <a:t>Some Sequences Yield Information in Both Directions</a:t>
+            </a:r>
+            <a:endParaRPr/>
+          </a:p>
+          <a:p>
+            <a:pPr marL="285750" marR="0" lvl="0" indent="-285750" algn="l" rtl="0">
+              <a:spcBef>
+                <a:spcPts val="0"/>
+              </a:spcBef>
+              <a:spcAft>
+                <a:spcPts val="0"/>
+              </a:spcAft>
+              <a:buClr>
+                <a:schemeClr val="dk1"/>
+              </a:buClr>
+              <a:buSzPts val="1800"/>
+              <a:buFont typeface="Arial"/>
+              <a:buChar char="•"/>
+            </a:pPr>
+            <a:r>
+              <a:rPr lang="en-US" sz="1800">
+                <a:solidFill>
+                  <a:schemeClr val="dk1"/>
+                </a:solidFill>
+                <a:latin typeface="Calibri"/>
+                <a:ea typeface="Calibri"/>
+                <a:cs typeface="Calibri"/>
+                <a:sym typeface="Calibri"/>
+              </a:rPr>
+              <a:t>Consider that, in language, words that come later in a sentence can be predictive of what came before.</a:t>
+            </a:r>
+            <a:endParaRPr/>
+          </a:p>
+          <a:p>
+            <a:pPr marL="285750" marR="0" lvl="0" indent="-285750" algn="l" rtl="0">
+              <a:spcBef>
+                <a:spcPts val="0"/>
+              </a:spcBef>
+              <a:spcAft>
+                <a:spcPts val="0"/>
+              </a:spcAft>
+              <a:buClr>
+                <a:schemeClr val="dk1"/>
+              </a:buClr>
+              <a:buSzPts val="1800"/>
+              <a:buFont typeface="Arial"/>
+              <a:buChar char="•"/>
+            </a:pPr>
+            <a:r>
+              <a:rPr lang="en-US" sz="1800">
+                <a:solidFill>
+                  <a:schemeClr val="dk1"/>
+                </a:solidFill>
+                <a:latin typeface="Calibri"/>
+                <a:ea typeface="Calibri"/>
+                <a:cs typeface="Calibri"/>
+                <a:sym typeface="Calibri"/>
+              </a:rPr>
+              <a:t>Bidirectional RNNs implement a standard RNN, but they also incorporate a parallel layer implementation that takes the sequence ordered in reverse. </a:t>
+            </a:r>
+            <a:endParaRPr/>
+          </a:p>
+        </p:txBody>
+      </p:sp>
+      <p:pic>
+        <p:nvPicPr>
+          <p:cNvPr id="191" name="Google Shape;191;p13"/>
+          <p:cNvPicPr preferRelativeResize="0"/>
+          <p:nvPr/>
+        </p:nvPicPr>
+        <p:blipFill rotWithShape="1">
+          <a:blip r:embed="rId3">
+            <a:alphaModFix/>
+          </a:blip>
+          <a:srcRect/>
+          <a:stretch/>
+        </p:blipFill>
+        <p:spPr>
+          <a:xfrm>
+            <a:off x="4489451" y="3429000"/>
+            <a:ext cx="3213098" cy="2834485"/>
+          </a:xfrm>
+          <a:prstGeom prst="rect">
+            <a:avLst/>
+          </a:prstGeom>
+          <a:noFill/>
+          <a:ln>
+            <a:noFill/>
+          </a:ln>
+        </p:spPr>
+      </p:pic>
+    </p:spTree>
+  </p:cSld>
+  <p:clrMapOvr>
+    <a:masterClrMapping/>
+  </p:clrMapOvr>
+</p:sld>
+</file>
+
+<file path=ppt/slides/slide11.xml><?xml version="1.0" encoding="utf-8"?>
+<p:sld xmlns:a="http://schemas.openxmlformats.org/drawingml/2006/main" xmlns:r="http://schemas.openxmlformats.org/officeDocument/2006/relationships" xmlns:p="http://schemas.openxmlformats.org/presentationml/2006/main" show="0">
+  <p:cSld>
+    <p:spTree>
+      <p:nvGrpSpPr>
+        <p:cNvPr id="1" name="Shape 153"/>
+        <p:cNvGrpSpPr/>
+        <p:nvPr/>
+      </p:nvGrpSpPr>
+      <p:grpSpPr>
+        <a:xfrm>
+          <a:off x="0" y="0"/>
+          <a:ext cx="0" cy="0"/>
+          <a:chOff x="0" y="0"/>
+          <a:chExt cx="0" cy="0"/>
+        </a:xfrm>
+      </p:grpSpPr>
+      <p:pic>
+        <p:nvPicPr>
+          <p:cNvPr id="154" name="Google Shape;154;g117d3bda9e2_0_0" descr="Illustrated Guide to LSTM&amp;#39;s and GRU&amp;#39;s: A step by step explanation | by  Michael Phi | Towards Data Science"/>
+          <p:cNvPicPr preferRelativeResize="0"/>
+          <p:nvPr/>
+        </p:nvPicPr>
+        <p:blipFill rotWithShape="1">
+          <a:blip r:embed="rId3">
+            <a:alphaModFix/>
+          </a:blip>
+          <a:srcRect r="50000" b="31029"/>
+          <a:stretch/>
+        </p:blipFill>
+        <p:spPr>
+          <a:xfrm>
+            <a:off x="2229614" y="299076"/>
+            <a:ext cx="7478151" cy="6558926"/>
+          </a:xfrm>
+          <a:prstGeom prst="rect">
+            <a:avLst/>
+          </a:prstGeom>
+          <a:noFill/>
+          <a:ln>
+            <a:noFill/>
+          </a:ln>
+        </p:spPr>
+      </p:pic>
+    </p:spTree>
+  </p:cSld>
+  <p:clrMapOvr>
+    <a:masterClrMapping/>
+  </p:clrMapOvr>
+</p:sld>
+</file>
+
+<file path=ppt/slides/slide12.xml><?xml version="1.0" encoding="utf-8"?>
+<p:sld xmlns:a="http://schemas.openxmlformats.org/drawingml/2006/main" xmlns:r="http://schemas.openxmlformats.org/officeDocument/2006/relationships" xmlns:p="http://schemas.openxmlformats.org/presentationml/2006/main" show="0">
+  <p:cSld>
+    <p:bg>
+      <p:bgPr>
+        <a:solidFill>
+          <a:srgbClr val="FFFFFF"/>
+        </a:solidFill>
+        <a:effectLst/>
+      </p:bgPr>
+    </p:bg>
+    <p:spTree>
+      <p:nvGrpSpPr>
+        <p:cNvPr id="1" name="Shape 159"/>
+        <p:cNvGrpSpPr/>
+        <p:nvPr/>
+      </p:nvGrpSpPr>
+      <p:grpSpPr>
+        <a:xfrm>
+          <a:off x="0" y="0"/>
+          <a:ext cx="0" cy="0"/>
+          <a:chOff x="0" y="0"/>
+          <a:chExt cx="0" cy="0"/>
+        </a:xfrm>
+      </p:grpSpPr>
+      <p:sp>
+        <p:nvSpPr>
+          <p:cNvPr id="160" name="Google Shape;160;p9"/>
+          <p:cNvSpPr txBox="1"/>
+          <p:nvPr/>
+        </p:nvSpPr>
+        <p:spPr>
+          <a:xfrm>
+            <a:off x="2865520" y="658976"/>
+            <a:ext cx="6460957" cy="923330"/>
+          </a:xfrm>
+          <a:prstGeom prst="rect">
+            <a:avLst/>
+          </a:prstGeom>
+          <a:noFill/>
+          <a:ln>
+            <a:noFill/>
+          </a:ln>
+        </p:spPr>
+        <p:txBody>
+          <a:bodyPr spcFirstLastPara="1" wrap="square" lIns="91425" tIns="45700" rIns="91425" bIns="45700" anchor="t" anchorCtr="0">
+            <a:spAutoFit/>
+          </a:bodyPr>
+          <a:lstStyle/>
+          <a:p>
+            <a:pPr marL="0" marR="0" lvl="0" indent="0" algn="ctr" rtl="0">
+              <a:spcBef>
+                <a:spcPts val="0"/>
+              </a:spcBef>
+              <a:spcAft>
+                <a:spcPts val="0"/>
+              </a:spcAft>
+              <a:buNone/>
+            </a:pPr>
+            <a:r>
+              <a:rPr lang="en-US" sz="5400">
+                <a:solidFill>
+                  <a:schemeClr val="dk1"/>
+                </a:solidFill>
+                <a:latin typeface="Economica"/>
+                <a:ea typeface="Economica"/>
+                <a:cs typeface="Economica"/>
+                <a:sym typeface="Economica"/>
+              </a:rPr>
+              <a:t>Keras RNN Layers</a:t>
+            </a:r>
+            <a:endParaRPr/>
+          </a:p>
+        </p:txBody>
+      </p:sp>
+      <p:sp>
+        <p:nvSpPr>
+          <p:cNvPr id="161" name="Google Shape;161;p9"/>
+          <p:cNvSpPr txBox="1"/>
+          <p:nvPr/>
+        </p:nvSpPr>
+        <p:spPr>
+          <a:xfrm>
+            <a:off x="890337" y="1861226"/>
+            <a:ext cx="10016362" cy="400110"/>
+          </a:xfrm>
+          <a:prstGeom prst="rect">
+            <a:avLst/>
+          </a:prstGeom>
+          <a:noFill/>
+          <a:ln>
+            <a:noFill/>
+          </a:ln>
+        </p:spPr>
+        <p:txBody>
+          <a:bodyPr spcFirstLastPara="1" wrap="square" lIns="91425" tIns="45700" rIns="91425" bIns="45700" anchor="t" anchorCtr="0">
+            <a:spAutoFit/>
+          </a:bodyPr>
+          <a:lstStyle/>
+          <a:p>
+            <a:pPr marL="0" marR="0" lvl="0" indent="0" algn="l" rtl="0">
+              <a:spcBef>
+                <a:spcPts val="0"/>
+              </a:spcBef>
+              <a:spcAft>
+                <a:spcPts val="0"/>
+              </a:spcAft>
+              <a:buNone/>
+            </a:pPr>
+            <a:r>
+              <a:rPr lang="en-US" sz="2000" b="1">
+                <a:solidFill>
+                  <a:schemeClr val="dk1"/>
+                </a:solidFill>
+                <a:latin typeface="Quicksand"/>
+                <a:ea typeface="Quicksand"/>
+                <a:cs typeface="Quicksand"/>
+                <a:sym typeface="Quicksand"/>
+              </a:rPr>
+              <a:t>Long Short-Term Memory (LSTM)</a:t>
+            </a:r>
+            <a:endParaRPr/>
+          </a:p>
+        </p:txBody>
+      </p:sp>
+      <p:pic>
+        <p:nvPicPr>
+          <p:cNvPr id="162" name="Google Shape;162;p9"/>
+          <p:cNvPicPr preferRelativeResize="0"/>
+          <p:nvPr/>
+        </p:nvPicPr>
+        <p:blipFill rotWithShape="1">
+          <a:blip r:embed="rId3">
+            <a:alphaModFix/>
+          </a:blip>
+          <a:srcRect/>
+          <a:stretch/>
+        </p:blipFill>
+        <p:spPr>
+          <a:xfrm>
+            <a:off x="2127248" y="2540256"/>
+            <a:ext cx="7937500" cy="3416300"/>
+          </a:xfrm>
+          <a:prstGeom prst="rect">
+            <a:avLst/>
+          </a:prstGeom>
+          <a:noFill/>
+          <a:ln>
+            <a:noFill/>
+          </a:ln>
+        </p:spPr>
+      </p:pic>
+    </p:spTree>
+  </p:cSld>
+  <p:clrMapOvr>
+    <a:masterClrMapping/>
+  </p:clrMapOvr>
+</p:sld>
+</file>
+
+<file path=ppt/slides/slide13.xml><?xml version="1.0" encoding="utf-8"?>
+<p:sld xmlns:a="http://schemas.openxmlformats.org/drawingml/2006/main" xmlns:r="http://schemas.openxmlformats.org/officeDocument/2006/relationships" xmlns:p="http://schemas.openxmlformats.org/presentationml/2006/main" show="0">
+  <p:cSld>
+    <p:bg>
+      <p:bgPr>
+        <a:solidFill>
+          <a:srgbClr val="FFFFFF"/>
+        </a:solidFill>
+        <a:effectLst/>
+      </p:bgPr>
+    </p:bg>
+    <p:spTree>
+      <p:nvGrpSpPr>
+        <p:cNvPr id="1" name="Shape 166"/>
+        <p:cNvGrpSpPr/>
+        <p:nvPr/>
+      </p:nvGrpSpPr>
+      <p:grpSpPr>
+        <a:xfrm>
+          <a:off x="0" y="0"/>
+          <a:ext cx="0" cy="0"/>
+          <a:chOff x="0" y="0"/>
+          <a:chExt cx="0" cy="0"/>
+        </a:xfrm>
+      </p:grpSpPr>
+      <p:sp>
+        <p:nvSpPr>
+          <p:cNvPr id="167" name="Google Shape;167;p10"/>
+          <p:cNvSpPr txBox="1"/>
+          <p:nvPr/>
+        </p:nvSpPr>
+        <p:spPr>
+          <a:xfrm>
+            <a:off x="2865520" y="658976"/>
+            <a:ext cx="6460957" cy="923330"/>
+          </a:xfrm>
+          <a:prstGeom prst="rect">
+            <a:avLst/>
+          </a:prstGeom>
+          <a:noFill/>
+          <a:ln>
+            <a:noFill/>
+          </a:ln>
+        </p:spPr>
+        <p:txBody>
+          <a:bodyPr spcFirstLastPara="1" wrap="square" lIns="91425" tIns="45700" rIns="91425" bIns="45700" anchor="t" anchorCtr="0">
+            <a:spAutoFit/>
+          </a:bodyPr>
+          <a:lstStyle/>
+          <a:p>
+            <a:pPr marL="0" marR="0" lvl="0" indent="0" algn="ctr" rtl="0">
+              <a:spcBef>
+                <a:spcPts val="0"/>
+              </a:spcBef>
+              <a:spcAft>
+                <a:spcPts val="0"/>
+              </a:spcAft>
+              <a:buNone/>
+            </a:pPr>
+            <a:r>
+              <a:rPr lang="en-US" sz="5400">
+                <a:solidFill>
+                  <a:schemeClr val="dk1"/>
+                </a:solidFill>
+                <a:latin typeface="Economica"/>
+                <a:ea typeface="Economica"/>
+                <a:cs typeface="Economica"/>
+                <a:sym typeface="Economica"/>
+              </a:rPr>
+              <a:t>Keras RNN Layers</a:t>
+            </a:r>
+            <a:endParaRPr/>
+          </a:p>
+        </p:txBody>
+      </p:sp>
+      <p:sp>
+        <p:nvSpPr>
+          <p:cNvPr id="168" name="Google Shape;168;p10"/>
+          <p:cNvSpPr txBox="1"/>
+          <p:nvPr/>
+        </p:nvSpPr>
+        <p:spPr>
+          <a:xfrm>
+            <a:off x="890337" y="1861226"/>
+            <a:ext cx="10016362" cy="1508105"/>
+          </a:xfrm>
+          <a:prstGeom prst="rect">
+            <a:avLst/>
+          </a:prstGeom>
+          <a:noFill/>
+          <a:ln>
+            <a:noFill/>
+          </a:ln>
+        </p:spPr>
+        <p:txBody>
+          <a:bodyPr spcFirstLastPara="1" wrap="square" lIns="91425" tIns="45700" rIns="91425" bIns="45700" anchor="t" anchorCtr="0">
+            <a:spAutoFit/>
+          </a:bodyPr>
+          <a:lstStyle/>
+          <a:p>
+            <a:pPr marL="0" marR="0" lvl="0" indent="0" algn="l" rtl="0">
+              <a:spcBef>
+                <a:spcPts val="0"/>
+              </a:spcBef>
+              <a:spcAft>
+                <a:spcPts val="0"/>
+              </a:spcAft>
+              <a:buNone/>
+            </a:pPr>
+            <a:r>
+              <a:rPr lang="en-US" sz="2000" b="1">
+                <a:solidFill>
+                  <a:schemeClr val="dk1"/>
+                </a:solidFill>
+                <a:latin typeface="Quicksand"/>
+                <a:ea typeface="Quicksand"/>
+                <a:cs typeface="Quicksand"/>
+                <a:sym typeface="Quicksand"/>
+              </a:rPr>
+              <a:t>Gated Recurrent Unit (GRU)</a:t>
+            </a:r>
+            <a:endParaRPr/>
+          </a:p>
+          <a:p>
+            <a:pPr marL="285750" marR="0" lvl="0" indent="-285750" algn="l" rtl="0">
+              <a:spcBef>
+                <a:spcPts val="0"/>
+              </a:spcBef>
+              <a:spcAft>
+                <a:spcPts val="0"/>
+              </a:spcAft>
+              <a:buClr>
+                <a:schemeClr val="dk1"/>
+              </a:buClr>
+              <a:buSzPts val="1800"/>
+              <a:buFont typeface="Arial"/>
+              <a:buChar char="•"/>
+            </a:pPr>
+            <a:r>
+              <a:rPr lang="en-US" sz="1800">
+                <a:solidFill>
+                  <a:schemeClr val="dk1"/>
+                </a:solidFill>
+                <a:latin typeface="Calibri"/>
+                <a:ea typeface="Calibri"/>
+                <a:cs typeface="Calibri"/>
+                <a:sym typeface="Calibri"/>
+              </a:rPr>
+              <a:t>Less complex than an LSTM. Combines elements of the LSTM into simpler gated structure.</a:t>
+            </a:r>
+            <a:endParaRPr/>
+          </a:p>
+          <a:p>
+            <a:pPr marL="285750" marR="0" lvl="0" indent="-285750" algn="l" rtl="0">
+              <a:spcBef>
+                <a:spcPts val="0"/>
+              </a:spcBef>
+              <a:spcAft>
+                <a:spcPts val="0"/>
+              </a:spcAft>
+              <a:buClr>
+                <a:schemeClr val="dk1"/>
+              </a:buClr>
+              <a:buSzPts val="1800"/>
+              <a:buFont typeface="Arial"/>
+              <a:buChar char="•"/>
+            </a:pPr>
+            <a:r>
+              <a:rPr lang="en-US" sz="1800">
+                <a:solidFill>
+                  <a:schemeClr val="dk1"/>
+                </a:solidFill>
+                <a:latin typeface="Calibri"/>
+                <a:ea typeface="Calibri"/>
+                <a:cs typeface="Calibri"/>
+                <a:sym typeface="Calibri"/>
+              </a:rPr>
+              <a:t>Fits more quickly, with less data, but memory tends to be shorter.</a:t>
+            </a:r>
+            <a:endParaRPr/>
+          </a:p>
+          <a:p>
+            <a:pPr marL="285750" marR="0" lvl="0" indent="-285750" algn="l" rtl="0">
+              <a:spcBef>
+                <a:spcPts val="0"/>
+              </a:spcBef>
+              <a:spcAft>
+                <a:spcPts val="0"/>
+              </a:spcAft>
+              <a:buClr>
+                <a:schemeClr val="dk1"/>
+              </a:buClr>
+              <a:buSzPts val="1800"/>
+              <a:buFont typeface="Arial"/>
+              <a:buChar char="•"/>
+            </a:pPr>
+            <a:r>
+              <a:rPr lang="en-US" sz="1800">
+                <a:solidFill>
+                  <a:schemeClr val="dk1"/>
+                </a:solidFill>
+                <a:latin typeface="Calibri"/>
+                <a:ea typeface="Calibri"/>
+                <a:cs typeface="Calibri"/>
+                <a:sym typeface="Calibri"/>
+              </a:rPr>
+              <a:t>More common in NLP tasks, e.g., because “within sentence” or “within paragraph” memory is often sufficient.</a:t>
+            </a:r>
+            <a:endParaRPr/>
+          </a:p>
+        </p:txBody>
+      </p:sp>
+      <p:pic>
+        <p:nvPicPr>
+          <p:cNvPr id="169" name="Google Shape;169;p10" descr="Illustrated Guide to LSTM&amp;#39;s and GRU&amp;#39;s: A step by step explanation | by  Michael Phi | Towards Data Science"/>
+          <p:cNvPicPr preferRelativeResize="0"/>
+          <p:nvPr/>
+        </p:nvPicPr>
+        <p:blipFill rotWithShape="1">
+          <a:blip r:embed="rId3">
+            <a:alphaModFix/>
+          </a:blip>
+          <a:srcRect l="55149" t="750" r="-12" b="32032"/>
+          <a:stretch/>
+        </p:blipFill>
+        <p:spPr>
+          <a:xfrm>
+            <a:off x="1643692" y="3488670"/>
+            <a:ext cx="3206663" cy="3055012"/>
+          </a:xfrm>
+          <a:prstGeom prst="rect">
+            <a:avLst/>
+          </a:prstGeom>
+          <a:noFill/>
+          <a:ln>
+            <a:noFill/>
+          </a:ln>
+        </p:spPr>
+      </p:pic>
+      <p:pic>
+        <p:nvPicPr>
+          <p:cNvPr id="170" name="Google Shape;170;p10" descr="Illustrated Guide to LSTM&amp;#39;s and GRU&amp;#39;s: A step by step explanation | by  Michael Phi | Towards Data Science"/>
+          <p:cNvPicPr preferRelativeResize="0"/>
+          <p:nvPr/>
+        </p:nvPicPr>
+        <p:blipFill rotWithShape="1">
+          <a:blip r:embed="rId3">
+            <a:alphaModFix/>
+          </a:blip>
+          <a:srcRect t="69967" r="-12" b="-750"/>
+          <a:stretch/>
+        </p:blipFill>
+        <p:spPr>
+          <a:xfrm>
+            <a:off x="5303407" y="3968011"/>
+            <a:ext cx="5919913" cy="1158657"/>
+          </a:xfrm>
+          <a:prstGeom prst="rect">
+            <a:avLst/>
+          </a:prstGeom>
+          <a:noFill/>
+          <a:ln>
+            <a:noFill/>
+          </a:ln>
+        </p:spPr>
+      </p:pic>
+    </p:spTree>
+  </p:cSld>
+  <p:clrMapOvr>
+    <a:masterClrMapping/>
+  </p:clrMapOvr>
+</p:sld>
+</file>
+
+<file path=ppt/slides/slide14.xml><?xml version="1.0" encoding="utf-8"?>
+<p:sld xmlns:a="http://schemas.openxmlformats.org/drawingml/2006/main" xmlns:r="http://schemas.openxmlformats.org/officeDocument/2006/relationships" xmlns:p="http://schemas.openxmlformats.org/presentationml/2006/main" show="0">
+  <p:cSld>
+    <p:bg>
+      <p:bgPr>
+        <a:solidFill>
+          <a:srgbClr val="FFFFFF"/>
+        </a:solidFill>
+        <a:effectLst/>
+      </p:bgPr>
+    </p:bg>
+    <p:spTree>
+      <p:nvGrpSpPr>
+        <p:cNvPr id="1" name="Shape 174"/>
+        <p:cNvGrpSpPr/>
+        <p:nvPr/>
+      </p:nvGrpSpPr>
+      <p:grpSpPr>
+        <a:xfrm>
+          <a:off x="0" y="0"/>
+          <a:ext cx="0" cy="0"/>
+          <a:chOff x="0" y="0"/>
+          <a:chExt cx="0" cy="0"/>
+        </a:xfrm>
+      </p:grpSpPr>
+      <p:sp>
+        <p:nvSpPr>
+          <p:cNvPr id="175" name="Google Shape;175;p11"/>
+          <p:cNvSpPr txBox="1"/>
+          <p:nvPr/>
+        </p:nvSpPr>
+        <p:spPr>
+          <a:xfrm>
+            <a:off x="2865520" y="658976"/>
+            <a:ext cx="6460957" cy="923330"/>
+          </a:xfrm>
+          <a:prstGeom prst="rect">
+            <a:avLst/>
+          </a:prstGeom>
+          <a:noFill/>
+          <a:ln>
+            <a:noFill/>
+          </a:ln>
+        </p:spPr>
+        <p:txBody>
+          <a:bodyPr spcFirstLastPara="1" wrap="square" lIns="91425" tIns="45700" rIns="91425" bIns="45700" anchor="t" anchorCtr="0">
+            <a:spAutoFit/>
+          </a:bodyPr>
+          <a:lstStyle/>
+          <a:p>
+            <a:pPr marL="0" marR="0" lvl="0" indent="0" algn="ctr" rtl="0">
+              <a:spcBef>
+                <a:spcPts val="0"/>
+              </a:spcBef>
+              <a:spcAft>
+                <a:spcPts val="0"/>
+              </a:spcAft>
+              <a:buNone/>
+            </a:pPr>
+            <a:r>
+              <a:rPr lang="en-US" sz="5400">
+                <a:solidFill>
+                  <a:schemeClr val="dk1"/>
+                </a:solidFill>
+                <a:latin typeface="Economica"/>
+                <a:ea typeface="Economica"/>
+                <a:cs typeface="Economica"/>
+                <a:sym typeface="Economica"/>
+              </a:rPr>
+              <a:t>Fighting Overfitting in RNNs</a:t>
+            </a:r>
+            <a:endParaRPr/>
+          </a:p>
+        </p:txBody>
+      </p:sp>
+      <p:sp>
+        <p:nvSpPr>
+          <p:cNvPr id="176" name="Google Shape;176;p11"/>
+          <p:cNvSpPr txBox="1"/>
+          <p:nvPr/>
+        </p:nvSpPr>
+        <p:spPr>
+          <a:xfrm>
+            <a:off x="890337" y="1861226"/>
+            <a:ext cx="10016362" cy="1785104"/>
+          </a:xfrm>
+          <a:prstGeom prst="rect">
+            <a:avLst/>
+          </a:prstGeom>
+          <a:noFill/>
+          <a:ln>
+            <a:noFill/>
+          </a:ln>
+        </p:spPr>
+        <p:txBody>
+          <a:bodyPr spcFirstLastPara="1" wrap="square" lIns="91425" tIns="45700" rIns="91425" bIns="45700" anchor="t" anchorCtr="0">
+            <a:spAutoFit/>
+          </a:bodyPr>
+          <a:lstStyle/>
+          <a:p>
+            <a:pPr marL="0" marR="0" lvl="0" indent="0" algn="l" rtl="0">
+              <a:spcBef>
+                <a:spcPts val="0"/>
+              </a:spcBef>
+              <a:spcAft>
+                <a:spcPts val="0"/>
+              </a:spcAft>
+              <a:buNone/>
+            </a:pPr>
+            <a:r>
+              <a:rPr lang="en-US" sz="2000" b="1">
+                <a:solidFill>
+                  <a:schemeClr val="dk1"/>
+                </a:solidFill>
+                <a:latin typeface="Quicksand"/>
+                <a:ea typeface="Quicksand"/>
+                <a:cs typeface="Quicksand"/>
+                <a:sym typeface="Quicksand"/>
+              </a:rPr>
+              <a:t>Recurrent Dropout</a:t>
+            </a:r>
+            <a:endParaRPr/>
+          </a:p>
+          <a:p>
+            <a:pPr marL="285750" marR="0" lvl="0" indent="-285750" algn="l" rtl="0">
+              <a:spcBef>
+                <a:spcPts val="0"/>
+              </a:spcBef>
+              <a:spcAft>
+                <a:spcPts val="0"/>
+              </a:spcAft>
+              <a:buClr>
+                <a:schemeClr val="dk1"/>
+              </a:buClr>
+              <a:buSzPts val="1800"/>
+              <a:buFont typeface="Arial"/>
+              <a:buChar char="•"/>
+            </a:pPr>
+            <a:r>
+              <a:rPr lang="en-US" sz="1800">
+                <a:solidFill>
+                  <a:schemeClr val="dk1"/>
+                </a:solidFill>
+                <a:latin typeface="Calibri"/>
+                <a:ea typeface="Calibri"/>
+                <a:cs typeface="Calibri"/>
+                <a:sym typeface="Calibri"/>
+              </a:rPr>
+              <a:t>We can apply dropout in a fixed fashion to all the recurrent steps within an RNN layer.</a:t>
+            </a:r>
+            <a:endParaRPr/>
+          </a:p>
+          <a:p>
+            <a:pPr marL="285750" marR="0" lvl="0" indent="-285750" algn="l" rtl="0">
+              <a:spcBef>
+                <a:spcPts val="0"/>
+              </a:spcBef>
+              <a:spcAft>
+                <a:spcPts val="0"/>
+              </a:spcAft>
+              <a:buClr>
+                <a:schemeClr val="dk1"/>
+              </a:buClr>
+              <a:buSzPts val="1800"/>
+              <a:buFont typeface="Arial"/>
+              <a:buChar char="•"/>
+            </a:pPr>
+            <a:r>
+              <a:rPr lang="en-US" sz="1800">
+                <a:solidFill>
+                  <a:schemeClr val="dk1"/>
+                </a:solidFill>
+                <a:latin typeface="Calibri"/>
+                <a:ea typeface="Calibri"/>
+                <a:cs typeface="Calibri"/>
+                <a:sym typeface="Calibri"/>
+              </a:rPr>
+              <a:t>The recurrent_dropout argument achieves this (ensures we are applying it homogenously at each time step). </a:t>
+            </a:r>
+            <a:endParaRPr/>
+          </a:p>
+          <a:p>
+            <a:pPr marL="285750" marR="0" lvl="0" indent="-285750" algn="l" rtl="0">
+              <a:spcBef>
+                <a:spcPts val="0"/>
+              </a:spcBef>
+              <a:spcAft>
+                <a:spcPts val="0"/>
+              </a:spcAft>
+              <a:buClr>
+                <a:schemeClr val="dk1"/>
+              </a:buClr>
+              <a:buSzPts val="1800"/>
+              <a:buFont typeface="Arial"/>
+              <a:buChar char="•"/>
+            </a:pPr>
+            <a:r>
+              <a:rPr lang="en-US" sz="1800">
+                <a:solidFill>
+                  <a:schemeClr val="dk1"/>
+                </a:solidFill>
+                <a:latin typeface="Calibri"/>
+                <a:ea typeface="Calibri"/>
+                <a:cs typeface="Calibri"/>
+                <a:sym typeface="Calibri"/>
+              </a:rPr>
+              <a:t>The dropout argument applies dropout to the inputs entering the RNN layer (like the Dropout you’ve seen previously). </a:t>
+            </a:r>
+            <a:endParaRPr/>
+          </a:p>
+        </p:txBody>
+      </p:sp>
+      <p:pic>
+        <p:nvPicPr>
+          <p:cNvPr id="177" name="Google Shape;177;p11"/>
+          <p:cNvPicPr preferRelativeResize="0"/>
+          <p:nvPr/>
+        </p:nvPicPr>
+        <p:blipFill rotWithShape="1">
+          <a:blip r:embed="rId3">
+            <a:alphaModFix/>
+          </a:blip>
+          <a:srcRect/>
+          <a:stretch/>
+        </p:blipFill>
+        <p:spPr>
+          <a:xfrm>
+            <a:off x="2938712" y="3756799"/>
+            <a:ext cx="5919611" cy="2815190"/>
+          </a:xfrm>
+          <a:prstGeom prst="rect">
+            <a:avLst/>
+          </a:prstGeom>
+          <a:noFill/>
+          <a:ln>
+            <a:noFill/>
+          </a:ln>
+        </p:spPr>
+      </p:pic>
+    </p:spTree>
+  </p:cSld>
+  <p:clrMapOvr>
+    <a:masterClrMapping/>
+  </p:clrMapOvr>
+</p:sld>
+</file>
+
+<file path=ppt/slides/slide15.xml><?xml version="1.0" encoding="utf-8"?>
+<p:sld xmlns:a="http://schemas.openxmlformats.org/drawingml/2006/main" xmlns:r="http://schemas.openxmlformats.org/officeDocument/2006/relationships" xmlns:p="http://schemas.openxmlformats.org/presentationml/2006/main" show="0">
+  <p:cSld>
+    <p:bg>
+      <p:bgPr>
+        <a:solidFill>
+          <a:srgbClr val="FFFFFF"/>
+        </a:solidFill>
+        <a:effectLst/>
+      </p:bgPr>
+    </p:bg>
+    <p:spTree>
+      <p:nvGrpSpPr>
         <p:cNvPr id="1" name="Shape 181"/>
         <p:cNvGrpSpPr/>
         <p:nvPr/>
@@ -13652,20 +14401,12 @@
 </p:sld>
 </file>
 
-<file path=ppt/slides/slide11.xml><?xml version="1.0" encoding="utf-8"?>
+<file path=ppt/slides/slide16.xml><?xml version="1.0" encoding="utf-8"?>
 <p:sld xmlns:a="http://schemas.openxmlformats.org/drawingml/2006/main" xmlns:r="http://schemas.openxmlformats.org/officeDocument/2006/relationships" xmlns:p="http://schemas.openxmlformats.org/presentationml/2006/main">
   <p:cSld>
-    <p:bg>
-      <p:bgPr>
-        <a:solidFill>
-          <a:srgbClr val="FFFFFF"/>
-        </a:solidFill>
-        <a:effectLst/>
-      </p:bgPr>
-    </p:bg>
     <p:spTree>
       <p:nvGrpSpPr>
-        <p:cNvPr id="1" name="Shape 188"/>
+        <p:cNvPr id="1" name=""/>
         <p:cNvGrpSpPr/>
         <p:nvPr/>
       </p:nvGrpSpPr>
@@ -13677,15 +14418,88 @@
           <a:chExt cx="0" cy="0"/>
         </a:xfrm>
       </p:grpSpPr>
+      <p:pic>
+        <p:nvPicPr>
+          <p:cNvPr id="6" name="Picture 5">
+            <a:extLst>
+              <a:ext uri="{FF2B5EF4-FFF2-40B4-BE49-F238E27FC236}">
+                <a16:creationId xmlns:a16="http://schemas.microsoft.com/office/drawing/2014/main" id="{332721E3-FC43-E1F7-783A-FFB157DBBA43}"/>
+              </a:ext>
+            </a:extLst>
+          </p:cNvPr>
+          <p:cNvPicPr>
+            <a:picLocks noChangeAspect="1"/>
+          </p:cNvPicPr>
+          <p:nvPr/>
+        </p:nvPicPr>
+        <p:blipFill rotWithShape="1">
+          <a:blip r:embed="rId2"/>
+          <a:srcRect t="16190"/>
+          <a:stretch/>
+        </p:blipFill>
+        <p:spPr>
+          <a:xfrm>
+            <a:off x="0" y="1110342"/>
+            <a:ext cx="12192000" cy="5747657"/>
+          </a:xfrm>
+          <a:prstGeom prst="rect">
+            <a:avLst/>
+          </a:prstGeom>
+        </p:spPr>
+      </p:pic>
       <p:sp>
         <p:nvSpPr>
-          <p:cNvPr id="189" name="Google Shape;189;p13"/>
+          <p:cNvPr id="4" name="Slide Number Placeholder 3">
+            <a:extLst>
+              <a:ext uri="{FF2B5EF4-FFF2-40B4-BE49-F238E27FC236}">
+                <a16:creationId xmlns:a16="http://schemas.microsoft.com/office/drawing/2014/main" id="{2910097D-FA72-A348-DC53-2E7F0497932C}"/>
+              </a:ext>
+            </a:extLst>
+          </p:cNvPr>
+          <p:cNvSpPr>
+            <a:spLocks noGrp="1"/>
+          </p:cNvSpPr>
+          <p:nvPr>
+            <p:ph type="sldNum" idx="12"/>
+          </p:nvPr>
+        </p:nvSpPr>
+        <p:spPr/>
+        <p:txBody>
+          <a:bodyPr/>
+          <a:lstStyle/>
+          <a:p>
+            <a:pPr marL="0" lvl="0" indent="0" algn="r" rtl="0">
+              <a:spcBef>
+                <a:spcPts val="0"/>
+              </a:spcBef>
+              <a:spcAft>
+                <a:spcPts val="0"/>
+              </a:spcAft>
+              <a:buNone/>
+            </a:pPr>
+            <a:fld id="{00000000-1234-1234-1234-123412341234}" type="slidenum">
+              <a:rPr lang="en-US" smtClean="0"/>
+              <a:t>16</a:t>
+            </a:fld>
+            <a:endParaRPr lang="en-US"/>
+          </a:p>
+        </p:txBody>
+      </p:sp>
+      <p:sp>
+        <p:nvSpPr>
+          <p:cNvPr id="7" name="Google Shape;189;p13">
+            <a:extLst>
+              <a:ext uri="{FF2B5EF4-FFF2-40B4-BE49-F238E27FC236}">
+                <a16:creationId xmlns:a16="http://schemas.microsoft.com/office/drawing/2014/main" id="{17F7338D-8859-589C-83BD-6358B7DDED29}"/>
+              </a:ext>
+            </a:extLst>
+          </p:cNvPr>
           <p:cNvSpPr txBox="1"/>
           <p:nvPr/>
         </p:nvSpPr>
         <p:spPr>
           <a:xfrm>
-            <a:off x="2865520" y="658976"/>
+            <a:off x="2865521" y="332405"/>
             <a:ext cx="6460957" cy="923330"/>
           </a:xfrm>
           <a:prstGeom prst="rect">
@@ -13712,7 +14526,7 @@
               <a:buNone/>
             </a:pPr>
             <a:r>
-              <a:rPr lang="en-US" sz="5400">
+              <a:rPr lang="en-US" sz="5400" dirty="0">
                 <a:solidFill>
                   <a:schemeClr val="dk1"/>
                 </a:solidFill>
@@ -13721,148 +14535,18 @@
                 <a:cs typeface="Economica"/>
                 <a:sym typeface="Economica"/>
               </a:rPr>
-              <a:t>Bidirectional RNNs</a:t>
+              <a:t>Applications of RNNs</a:t>
             </a:r>
-            <a:endParaRPr/>
+            <a:endParaRPr dirty="0"/>
           </a:p>
         </p:txBody>
       </p:sp>
-      <p:sp>
-        <p:nvSpPr>
-          <p:cNvPr id="190" name="Google Shape;190;p13"/>
-          <p:cNvSpPr txBox="1"/>
-          <p:nvPr/>
-        </p:nvSpPr>
-        <p:spPr>
-          <a:xfrm>
-            <a:off x="890337" y="1861226"/>
-            <a:ext cx="10016362" cy="1231106"/>
-          </a:xfrm>
-          <a:prstGeom prst="rect">
-            <a:avLst/>
-          </a:prstGeom>
-          <a:noFill/>
-          <a:ln>
-            <a:noFill/>
-          </a:ln>
-        </p:spPr>
-        <p:txBody>
-          <a:bodyPr spcFirstLastPara="1" wrap="square" lIns="91425" tIns="45700" rIns="91425" bIns="45700" anchor="t" anchorCtr="0">
-            <a:spAutoFit/>
-          </a:bodyPr>
-          <a:lstStyle/>
-          <a:p>
-            <a:pPr marL="0" marR="0" lvl="0" indent="0" algn="l" rtl="0">
-              <a:spcBef>
-                <a:spcPts val="0"/>
-              </a:spcBef>
-              <a:spcAft>
-                <a:spcPts val="0"/>
-              </a:spcAft>
-              <a:buNone/>
-            </a:pPr>
-            <a:r>
-              <a:rPr lang="en-US" sz="2000" b="1">
-                <a:solidFill>
-                  <a:schemeClr val="dk1"/>
-                </a:solidFill>
-                <a:latin typeface="Quicksand"/>
-                <a:ea typeface="Quicksand"/>
-                <a:cs typeface="Quicksand"/>
-                <a:sym typeface="Quicksand"/>
-              </a:rPr>
-              <a:t>Some Sequences Yield Information in Both Directions</a:t>
-            </a:r>
-            <a:endParaRPr/>
-          </a:p>
-          <a:p>
-            <a:pPr marL="285750" marR="0" lvl="0" indent="-285750" algn="l" rtl="0">
-              <a:spcBef>
-                <a:spcPts val="0"/>
-              </a:spcBef>
-              <a:spcAft>
-                <a:spcPts val="0"/>
-              </a:spcAft>
-              <a:buClr>
-                <a:schemeClr val="dk1"/>
-              </a:buClr>
-              <a:buSzPts val="1800"/>
-              <a:buFont typeface="Arial"/>
-              <a:buChar char="•"/>
-            </a:pPr>
-            <a:r>
-              <a:rPr lang="en-US" sz="1800">
-                <a:solidFill>
-                  <a:schemeClr val="dk1"/>
-                </a:solidFill>
-                <a:latin typeface="Calibri"/>
-                <a:ea typeface="Calibri"/>
-                <a:cs typeface="Calibri"/>
-                <a:sym typeface="Calibri"/>
-              </a:rPr>
-              <a:t>Consider that, in language, words that come later in a sentence can be predictive of what came before.</a:t>
-            </a:r>
-            <a:endParaRPr/>
-          </a:p>
-          <a:p>
-            <a:pPr marL="285750" marR="0" lvl="0" indent="-285750" algn="l" rtl="0">
-              <a:spcBef>
-                <a:spcPts val="0"/>
-              </a:spcBef>
-              <a:spcAft>
-                <a:spcPts val="0"/>
-              </a:spcAft>
-              <a:buClr>
-                <a:schemeClr val="dk1"/>
-              </a:buClr>
-              <a:buSzPts val="1800"/>
-              <a:buFont typeface="Arial"/>
-              <a:buChar char="•"/>
-            </a:pPr>
-            <a:r>
-              <a:rPr lang="en-US" sz="1800">
-                <a:solidFill>
-                  <a:schemeClr val="dk1"/>
-                </a:solidFill>
-                <a:latin typeface="Calibri"/>
-                <a:ea typeface="Calibri"/>
-                <a:cs typeface="Calibri"/>
-                <a:sym typeface="Calibri"/>
-              </a:rPr>
-              <a:t>Bidirectional RNNs implement a standard RNN, but they also incorporate a parallel layer implementation that takes the sequence ordered in reverse. </a:t>
-            </a:r>
-            <a:endParaRPr/>
-          </a:p>
-        </p:txBody>
-      </p:sp>
-      <p:pic>
-        <p:nvPicPr>
-          <p:cNvPr id="191" name="Google Shape;191;p13"/>
-          <p:cNvPicPr preferRelativeResize="0"/>
-          <p:nvPr/>
-        </p:nvPicPr>
-        <p:blipFill rotWithShape="1">
-          <a:blip r:embed="rId3">
-            <a:alphaModFix/>
-          </a:blip>
-          <a:srcRect/>
-          <a:stretch/>
-        </p:blipFill>
-        <p:spPr>
-          <a:xfrm>
-            <a:off x="4489451" y="3429000"/>
-            <a:ext cx="3213098" cy="2834485"/>
-          </a:xfrm>
-          <a:prstGeom prst="rect">
-            <a:avLst/>
-          </a:prstGeom>
-          <a:noFill/>
-          <a:ln>
-            <a:noFill/>
-          </a:ln>
-        </p:spPr>
-      </p:pic>
     </p:spTree>
+    <p:extLst>
+      <p:ext uri="{BB962C8B-B14F-4D97-AF65-F5344CB8AC3E}">
+        <p14:creationId xmlns:p14="http://schemas.microsoft.com/office/powerpoint/2010/main" val="4118399255"/>
+      </p:ext>
+    </p:extLst>
   </p:cSld>
   <p:clrMapOvr>
     <a:masterClrMapping/>
@@ -13870,20 +14554,12 @@
 </p:sld>
 </file>
 
-<file path=ppt/slides/slide12.xml><?xml version="1.0" encoding="utf-8"?>
-<p:sld xmlns:a="http://schemas.openxmlformats.org/drawingml/2006/main" xmlns:r="http://schemas.openxmlformats.org/officeDocument/2006/relationships" xmlns:p="http://schemas.openxmlformats.org/presentationml/2006/main" show="0">
+<file path=ppt/slides/slide17.xml><?xml version="1.0" encoding="utf-8"?>
+<p:sld xmlns:a="http://schemas.openxmlformats.org/drawingml/2006/main" xmlns:r="http://schemas.openxmlformats.org/officeDocument/2006/relationships" xmlns:p="http://schemas.openxmlformats.org/presentationml/2006/main">
   <p:cSld>
-    <p:bg>
-      <p:bgPr>
-        <a:solidFill>
-          <a:srgbClr val="FFFFFF"/>
-        </a:solidFill>
-        <a:effectLst/>
-      </p:bgPr>
-    </p:bg>
     <p:spTree>
       <p:nvGrpSpPr>
-        <p:cNvPr id="1" name="Shape 195"/>
+        <p:cNvPr id="1" name=""/>
         <p:cNvGrpSpPr/>
         <p:nvPr/>
       </p:nvGrpSpPr>
@@ -13895,32 +14571,58 @@
           <a:chExt cx="0" cy="0"/>
         </a:xfrm>
       </p:grpSpPr>
-      <p:sp>
-        <p:nvSpPr>
-          <p:cNvPr id="196" name="Google Shape;196;p14"/>
-          <p:cNvSpPr txBox="1"/>
+      <p:pic>
+        <p:nvPicPr>
+          <p:cNvPr id="6" name="Picture 5">
+            <a:extLst>
+              <a:ext uri="{FF2B5EF4-FFF2-40B4-BE49-F238E27FC236}">
+                <a16:creationId xmlns:a16="http://schemas.microsoft.com/office/drawing/2014/main" id="{EF7DCC99-D379-C33C-133A-ADD8E12A3F73}"/>
+              </a:ext>
+            </a:extLst>
+          </p:cNvPr>
+          <p:cNvPicPr>
+            <a:picLocks noChangeAspect="1"/>
+          </p:cNvPicPr>
           <p:nvPr/>
-        </p:nvSpPr>
+        </p:nvPicPr>
+        <p:blipFill>
+          <a:blip r:embed="rId2"/>
+          <a:stretch>
+            <a:fillRect/>
+          </a:stretch>
+        </p:blipFill>
         <p:spPr>
           <a:xfrm>
-            <a:off x="2865520" y="658976"/>
-            <a:ext cx="6460957" cy="923330"/>
+            <a:off x="0" y="0"/>
+            <a:ext cx="12192000" cy="6858000"/>
           </a:xfrm>
           <a:prstGeom prst="rect">
             <a:avLst/>
           </a:prstGeom>
-          <a:noFill/>
-          <a:ln>
-            <a:noFill/>
-          </a:ln>
         </p:spPr>
+      </p:pic>
+      <p:sp>
+        <p:nvSpPr>
+          <p:cNvPr id="4" name="Slide Number Placeholder 3">
+            <a:extLst>
+              <a:ext uri="{FF2B5EF4-FFF2-40B4-BE49-F238E27FC236}">
+                <a16:creationId xmlns:a16="http://schemas.microsoft.com/office/drawing/2014/main" id="{A7664610-68E6-9415-8D35-4B76B74057CC}"/>
+              </a:ext>
+            </a:extLst>
+          </p:cNvPr>
+          <p:cNvSpPr>
+            <a:spLocks noGrp="1"/>
+          </p:cNvSpPr>
+          <p:nvPr>
+            <p:ph type="sldNum" idx="12"/>
+          </p:nvPr>
+        </p:nvSpPr>
+        <p:spPr/>
         <p:txBody>
-          <a:bodyPr spcFirstLastPara="1" wrap="square" lIns="91425" tIns="45700" rIns="91425" bIns="45700" anchor="t" anchorCtr="0">
-            <a:spAutoFit/>
-          </a:bodyPr>
+          <a:bodyPr/>
           <a:lstStyle/>
           <a:p>
-            <a:pPr marL="0" marR="0" lvl="0" indent="0" algn="ctr" rtl="0">
+            <a:pPr marL="0" lvl="0" indent="0" algn="r" rtl="0">
               <a:spcBef>
                 <a:spcPts val="0"/>
               </a:spcBef>
@@ -13929,292 +14631,20 @@
               </a:spcAft>
               <a:buNone/>
             </a:pPr>
-            <a:r>
-              <a:rPr lang="en-US" sz="5400">
-                <a:solidFill>
-                  <a:schemeClr val="dk1"/>
-                </a:solidFill>
-                <a:latin typeface="Economica"/>
-                <a:ea typeface="Economica"/>
-                <a:cs typeface="Economica"/>
-                <a:sym typeface="Economica"/>
-              </a:rPr>
-              <a:t>Advanced Scenarios</a:t>
-            </a:r>
-            <a:endParaRPr/>
-          </a:p>
-        </p:txBody>
-      </p:sp>
-      <p:sp>
-        <p:nvSpPr>
-          <p:cNvPr id="197" name="Google Shape;197;p14"/>
-          <p:cNvSpPr txBox="1"/>
-          <p:nvPr/>
-        </p:nvSpPr>
-        <p:spPr>
-          <a:xfrm>
-            <a:off x="890337" y="1861226"/>
-            <a:ext cx="10016362" cy="1785104"/>
-          </a:xfrm>
-          <a:prstGeom prst="rect">
-            <a:avLst/>
-          </a:prstGeom>
-          <a:noFill/>
-          <a:ln>
-            <a:noFill/>
-          </a:ln>
-        </p:spPr>
-        <p:txBody>
-          <a:bodyPr spcFirstLastPara="1" wrap="square" lIns="91425" tIns="45700" rIns="91425" bIns="45700" anchor="t" anchorCtr="0">
-            <a:spAutoFit/>
-          </a:bodyPr>
-          <a:lstStyle/>
-          <a:p>
-            <a:pPr marL="0" marR="0" lvl="0" indent="0" algn="l" rtl="0">
-              <a:spcBef>
-                <a:spcPts val="0"/>
-              </a:spcBef>
-              <a:spcAft>
-                <a:spcPts val="0"/>
-              </a:spcAft>
-              <a:buNone/>
-            </a:pPr>
-            <a:r>
-              <a:rPr lang="en-US" sz="2000" b="1" dirty="0">
-                <a:solidFill>
-                  <a:schemeClr val="dk1"/>
-                </a:solidFill>
-                <a:latin typeface="Quicksand"/>
-                <a:ea typeface="Quicksand"/>
-                <a:cs typeface="Quicksand"/>
-                <a:sym typeface="Quicksand"/>
-              </a:rPr>
-              <a:t>Forecasting Multiple Series in Parallel</a:t>
-            </a:r>
-            <a:endParaRPr dirty="0"/>
-          </a:p>
-          <a:p>
-            <a:pPr marL="285750" marR="0" lvl="0" indent="-285750" algn="l" rtl="0">
-              <a:spcBef>
-                <a:spcPts val="0"/>
-              </a:spcBef>
-              <a:spcAft>
-                <a:spcPts val="0"/>
-              </a:spcAft>
-              <a:buClr>
-                <a:schemeClr val="dk1"/>
-              </a:buClr>
-              <a:buSzPts val="1800"/>
-              <a:buFont typeface="Arial"/>
-              <a:buChar char="•"/>
-            </a:pPr>
-            <a:r>
-              <a:rPr lang="en-US" sz="1800" dirty="0">
-                <a:solidFill>
-                  <a:schemeClr val="dk1"/>
-                </a:solidFill>
-                <a:latin typeface="Calibri"/>
-                <a:ea typeface="Calibri"/>
-                <a:cs typeface="Calibri"/>
-                <a:sym typeface="Calibri"/>
-              </a:rPr>
-              <a:t>Sometimes we need to implement forecasts for a panel of units (e.g., revenue of different stores in a chain, or demand for transit at different transit stops).</a:t>
-            </a:r>
-            <a:endParaRPr dirty="0"/>
-          </a:p>
-          <a:p>
-            <a:pPr marL="285750" marR="0" lvl="0" indent="-285750" algn="l" rtl="0">
-              <a:spcBef>
-                <a:spcPts val="0"/>
-              </a:spcBef>
-              <a:spcAft>
-                <a:spcPts val="0"/>
-              </a:spcAft>
-              <a:buClr>
-                <a:schemeClr val="dk1"/>
-              </a:buClr>
-              <a:buSzPts val="1800"/>
-              <a:buFont typeface="Arial"/>
-              <a:buChar char="•"/>
-            </a:pPr>
-            <a:r>
-              <a:rPr lang="en-US" sz="1800" dirty="0">
-                <a:solidFill>
-                  <a:schemeClr val="dk1"/>
-                </a:solidFill>
-                <a:latin typeface="Calibri"/>
-                <a:ea typeface="Calibri"/>
-                <a:cs typeface="Calibri"/>
-                <a:sym typeface="Calibri"/>
-              </a:rPr>
-              <a:t>We can implement such multivariate timeseries forecasting in </a:t>
-            </a:r>
-            <a:r>
-              <a:rPr lang="en-US" sz="1800" dirty="0" err="1">
-                <a:solidFill>
-                  <a:schemeClr val="dk1"/>
-                </a:solidFill>
-                <a:latin typeface="Calibri"/>
-                <a:ea typeface="Calibri"/>
-                <a:cs typeface="Calibri"/>
-                <a:sym typeface="Calibri"/>
-              </a:rPr>
-              <a:t>Keras</a:t>
-            </a:r>
-            <a:r>
-              <a:rPr lang="en-US" sz="1800" dirty="0">
-                <a:solidFill>
-                  <a:schemeClr val="dk1"/>
-                </a:solidFill>
-                <a:latin typeface="Calibri"/>
-                <a:ea typeface="Calibri"/>
-                <a:cs typeface="Calibri"/>
-                <a:sym typeface="Calibri"/>
-              </a:rPr>
-              <a:t> a well. Choices need to be made about topology and how to handle the different series. </a:t>
-            </a:r>
-            <a:endParaRPr dirty="0"/>
-          </a:p>
-          <a:p>
-            <a:pPr marL="285750" marR="0" lvl="0" indent="-285750" algn="l" rtl="0">
-              <a:spcBef>
-                <a:spcPts val="0"/>
-              </a:spcBef>
-              <a:spcAft>
-                <a:spcPts val="0"/>
-              </a:spcAft>
-              <a:buClr>
-                <a:schemeClr val="dk1"/>
-              </a:buClr>
-              <a:buSzPts val="1800"/>
-              <a:buFont typeface="Arial"/>
-              <a:buChar char="•"/>
-            </a:pPr>
-            <a:r>
-              <a:rPr lang="en-US" sz="1800" dirty="0">
-                <a:solidFill>
-                  <a:schemeClr val="dk1"/>
-                </a:solidFill>
-                <a:latin typeface="Calibri"/>
-                <a:ea typeface="Calibri"/>
-                <a:cs typeface="Calibri"/>
-                <a:sym typeface="Calibri"/>
-              </a:rPr>
-              <a:t>Sometimes (often) it can be better to train separate forecasting models for each series. </a:t>
-            </a:r>
-            <a:endParaRPr dirty="0"/>
-          </a:p>
-        </p:txBody>
-      </p:sp>
-      <p:sp>
-        <p:nvSpPr>
-          <p:cNvPr id="198" name="Google Shape;198;p14"/>
-          <p:cNvSpPr txBox="1"/>
-          <p:nvPr/>
-        </p:nvSpPr>
-        <p:spPr>
-          <a:xfrm>
-            <a:off x="890337" y="3925250"/>
-            <a:ext cx="10016362" cy="1231106"/>
-          </a:xfrm>
-          <a:prstGeom prst="rect">
-            <a:avLst/>
-          </a:prstGeom>
-          <a:noFill/>
-          <a:ln>
-            <a:noFill/>
-          </a:ln>
-        </p:spPr>
-        <p:txBody>
-          <a:bodyPr spcFirstLastPara="1" wrap="square" lIns="91425" tIns="45700" rIns="91425" bIns="45700" anchor="t" anchorCtr="0">
-            <a:spAutoFit/>
-          </a:bodyPr>
-          <a:lstStyle/>
-          <a:p>
-            <a:pPr marL="0" marR="0" lvl="0" indent="0" algn="l" rtl="0">
-              <a:spcBef>
-                <a:spcPts val="0"/>
-              </a:spcBef>
-              <a:spcAft>
-                <a:spcPts val="0"/>
-              </a:spcAft>
-              <a:buNone/>
-            </a:pPr>
-            <a:r>
-              <a:rPr lang="en-US" sz="2000" b="1">
-                <a:solidFill>
-                  <a:schemeClr val="dk1"/>
-                </a:solidFill>
-                <a:latin typeface="Quicksand"/>
-                <a:ea typeface="Quicksand"/>
-                <a:cs typeface="Quicksand"/>
-                <a:sym typeface="Quicksand"/>
-              </a:rPr>
-              <a:t>Multi-Step Forecasting</a:t>
-            </a:r>
-            <a:endParaRPr/>
-          </a:p>
-          <a:p>
-            <a:pPr marL="285750" marR="0" lvl="0" indent="-285750" algn="l" rtl="0">
-              <a:spcBef>
-                <a:spcPts val="0"/>
-              </a:spcBef>
-              <a:spcAft>
-                <a:spcPts val="0"/>
-              </a:spcAft>
-              <a:buClr>
-                <a:schemeClr val="dk1"/>
-              </a:buClr>
-              <a:buSzPts val="1800"/>
-              <a:buFont typeface="Arial"/>
-              <a:buChar char="•"/>
-            </a:pPr>
-            <a:r>
-              <a:rPr lang="en-US" sz="1800">
-                <a:solidFill>
-                  <a:schemeClr val="dk1"/>
-                </a:solidFill>
-                <a:latin typeface="Calibri"/>
-                <a:ea typeface="Calibri"/>
-                <a:cs typeface="Calibri"/>
-                <a:sym typeface="Calibri"/>
-              </a:rPr>
-              <a:t>We may want to forecast over a range of future values. These different horizons can be setup as different labels. The model will optimize jointly over the different labels.</a:t>
-            </a:r>
-            <a:endParaRPr/>
-          </a:p>
-          <a:p>
-            <a:pPr marL="285750" marR="0" lvl="0" indent="-285750" algn="l" rtl="0">
-              <a:spcBef>
-                <a:spcPts val="0"/>
-              </a:spcBef>
-              <a:spcAft>
-                <a:spcPts val="0"/>
-              </a:spcAft>
-              <a:buClr>
-                <a:schemeClr val="dk1"/>
-              </a:buClr>
-              <a:buSzPts val="1800"/>
-              <a:buFont typeface="Arial"/>
-              <a:buChar char="•"/>
-            </a:pPr>
-            <a:r>
-              <a:rPr lang="en-US" sz="1800">
-                <a:solidFill>
-                  <a:schemeClr val="dk1"/>
-                </a:solidFill>
-                <a:latin typeface="Calibri"/>
-                <a:ea typeface="Calibri"/>
-                <a:cs typeface="Calibri"/>
-                <a:sym typeface="Calibri"/>
-              </a:rPr>
-              <a:t>You can also train different models for different horizons. </a:t>
-            </a:r>
-            <a:endParaRPr/>
+            <a:fld id="{00000000-1234-1234-1234-123412341234}" type="slidenum">
+              <a:rPr lang="en-US" smtClean="0"/>
+              <a:t>17</a:t>
+            </a:fld>
+            <a:endParaRPr lang="en-US"/>
           </a:p>
         </p:txBody>
       </p:sp>
     </p:spTree>
+    <p:extLst>
+      <p:ext uri="{BB962C8B-B14F-4D97-AF65-F5344CB8AC3E}">
+        <p14:creationId xmlns:p14="http://schemas.microsoft.com/office/powerpoint/2010/main" val="165629015"/>
+      </p:ext>
+    </p:extLst>
   </p:cSld>
   <p:clrMapOvr>
     <a:masterClrMapping/>
@@ -14222,7 +14652,105 @@
 </p:sld>
 </file>
 
-<file path=ppt/slides/slide13.xml><?xml version="1.0" encoding="utf-8"?>
+<file path=ppt/slides/slide18.xml><?xml version="1.0" encoding="utf-8"?>
+<p:sld xmlns:a="http://schemas.openxmlformats.org/drawingml/2006/main" xmlns:r="http://schemas.openxmlformats.org/officeDocument/2006/relationships" xmlns:p="http://schemas.openxmlformats.org/presentationml/2006/main">
+  <p:cSld>
+    <p:spTree>
+      <p:nvGrpSpPr>
+        <p:cNvPr id="1" name=""/>
+        <p:cNvGrpSpPr/>
+        <p:nvPr/>
+      </p:nvGrpSpPr>
+      <p:grpSpPr>
+        <a:xfrm>
+          <a:off x="0" y="0"/>
+          <a:ext cx="0" cy="0"/>
+          <a:chOff x="0" y="0"/>
+          <a:chExt cx="0" cy="0"/>
+        </a:xfrm>
+      </p:grpSpPr>
+      <p:pic>
+        <p:nvPicPr>
+          <p:cNvPr id="3" name="Picture 2">
+            <a:extLst>
+              <a:ext uri="{FF2B5EF4-FFF2-40B4-BE49-F238E27FC236}">
+                <a16:creationId xmlns:a16="http://schemas.microsoft.com/office/drawing/2014/main" id="{8CE658BB-A7E7-558E-9713-E94C9D06763D}"/>
+              </a:ext>
+            </a:extLst>
+          </p:cNvPr>
+          <p:cNvPicPr>
+            <a:picLocks noChangeAspect="1"/>
+          </p:cNvPicPr>
+          <p:nvPr/>
+        </p:nvPicPr>
+        <p:blipFill>
+          <a:blip r:embed="rId2"/>
+          <a:stretch>
+            <a:fillRect/>
+          </a:stretch>
+        </p:blipFill>
+        <p:spPr>
+          <a:xfrm>
+            <a:off x="0" y="0"/>
+            <a:ext cx="12192000" cy="6858000"/>
+          </a:xfrm>
+          <a:prstGeom prst="rect">
+            <a:avLst/>
+          </a:prstGeom>
+        </p:spPr>
+      </p:pic>
+      <p:sp>
+        <p:nvSpPr>
+          <p:cNvPr id="4" name="Slide Number Placeholder 3">
+            <a:extLst>
+              <a:ext uri="{FF2B5EF4-FFF2-40B4-BE49-F238E27FC236}">
+                <a16:creationId xmlns:a16="http://schemas.microsoft.com/office/drawing/2014/main" id="{A7664610-68E6-9415-8D35-4B76B74057CC}"/>
+              </a:ext>
+            </a:extLst>
+          </p:cNvPr>
+          <p:cNvSpPr>
+            <a:spLocks noGrp="1"/>
+          </p:cNvSpPr>
+          <p:nvPr>
+            <p:ph type="sldNum" idx="12"/>
+          </p:nvPr>
+        </p:nvSpPr>
+        <p:spPr/>
+        <p:txBody>
+          <a:bodyPr/>
+          <a:lstStyle/>
+          <a:p>
+            <a:pPr marL="0" lvl="0" indent="0" algn="r" rtl="0">
+              <a:spcBef>
+                <a:spcPts val="0"/>
+              </a:spcBef>
+              <a:spcAft>
+                <a:spcPts val="0"/>
+              </a:spcAft>
+              <a:buNone/>
+            </a:pPr>
+            <a:fld id="{00000000-1234-1234-1234-123412341234}" type="slidenum">
+              <a:rPr lang="en-US" smtClean="0"/>
+              <a:t>18</a:t>
+            </a:fld>
+            <a:endParaRPr lang="en-US"/>
+          </a:p>
+        </p:txBody>
+      </p:sp>
+    </p:spTree>
+    <p:extLst>
+      <p:ext uri="{BB962C8B-B14F-4D97-AF65-F5344CB8AC3E}">
+        <p14:creationId xmlns:p14="http://schemas.microsoft.com/office/powerpoint/2010/main" val="501342366"/>
+      </p:ext>
+    </p:extLst>
+  </p:cSld>
+  <p:clrMapOvr>
+    <a:masterClrMapping/>
+  </p:clrMapOvr>
+</p:sld>
+</file>
+
+<file path=ppt/slides/slide19.xml><?xml version="1.0" encoding="utf-8"?>
 <p:sld xmlns:a="http://schemas.openxmlformats.org/drawingml/2006/main" xmlns:r="http://schemas.openxmlformats.org/officeDocument/2006/relationships" xmlns:p="http://schemas.openxmlformats.org/presentationml/2006/main">
   <p:cSld>
     <p:spTree>
@@ -14605,17 +15133,9 @@
 <file path=ppt/slides/slide3.xml><?xml version="1.0" encoding="utf-8"?>
 <p:sld xmlns:a="http://schemas.openxmlformats.org/drawingml/2006/main" xmlns:r="http://schemas.openxmlformats.org/officeDocument/2006/relationships" xmlns:p="http://schemas.openxmlformats.org/presentationml/2006/main">
   <p:cSld>
-    <p:bg>
-      <p:bgPr>
-        <a:solidFill>
-          <a:srgbClr val="FFFFFF"/>
-        </a:solidFill>
-        <a:effectLst/>
-      </p:bgPr>
-    </p:bg>
     <p:spTree>
       <p:nvGrpSpPr>
-        <p:cNvPr id="1" name="Shape 129"/>
+        <p:cNvPr id="1" name=""/>
         <p:cNvGrpSpPr/>
         <p:nvPr/>
       </p:nvGrpSpPr>
@@ -14627,16 +15147,187 @@
           <a:chExt cx="0" cy="0"/>
         </a:xfrm>
       </p:grpSpPr>
+      <p:pic>
+        <p:nvPicPr>
+          <p:cNvPr id="8" name="Picture 7">
+            <a:extLst>
+              <a:ext uri="{FF2B5EF4-FFF2-40B4-BE49-F238E27FC236}">
+                <a16:creationId xmlns:a16="http://schemas.microsoft.com/office/drawing/2014/main" id="{4781EFC9-4DE5-1DFB-B359-10A53D14D50A}"/>
+              </a:ext>
+            </a:extLst>
+          </p:cNvPr>
+          <p:cNvPicPr>
+            <a:picLocks noChangeAspect="1"/>
+          </p:cNvPicPr>
+          <p:nvPr/>
+        </p:nvPicPr>
+        <p:blipFill>
+          <a:blip r:embed="rId2"/>
+          <a:stretch>
+            <a:fillRect/>
+          </a:stretch>
+        </p:blipFill>
+        <p:spPr>
+          <a:xfrm>
+            <a:off x="0" y="0"/>
+            <a:ext cx="12192000" cy="6858000"/>
+          </a:xfrm>
+          <a:prstGeom prst="rect">
+            <a:avLst/>
+          </a:prstGeom>
+        </p:spPr>
+      </p:pic>
       <p:sp>
         <p:nvSpPr>
-          <p:cNvPr id="130" name="Google Shape;130;p6"/>
+          <p:cNvPr id="4" name="Slide Number Placeholder 3">
+            <a:extLst>
+              <a:ext uri="{FF2B5EF4-FFF2-40B4-BE49-F238E27FC236}">
+                <a16:creationId xmlns:a16="http://schemas.microsoft.com/office/drawing/2014/main" id="{AB463FB2-FF7A-4240-7A4B-83E34A568C57}"/>
+              </a:ext>
+            </a:extLst>
+          </p:cNvPr>
+          <p:cNvSpPr>
+            <a:spLocks noGrp="1"/>
+          </p:cNvSpPr>
+          <p:nvPr>
+            <p:ph type="sldNum" idx="12"/>
+          </p:nvPr>
+        </p:nvSpPr>
+        <p:spPr/>
+        <p:txBody>
+          <a:bodyPr/>
+          <a:lstStyle/>
+          <a:p>
+            <a:pPr marL="0" lvl="0" indent="0" algn="r" rtl="0">
+              <a:spcBef>
+                <a:spcPts val="0"/>
+              </a:spcBef>
+              <a:spcAft>
+                <a:spcPts val="0"/>
+              </a:spcAft>
+              <a:buNone/>
+            </a:pPr>
+            <a:fld id="{00000000-1234-1234-1234-123412341234}" type="slidenum">
+              <a:rPr lang="en-US" smtClean="0"/>
+              <a:t>3</a:t>
+            </a:fld>
+            <a:endParaRPr lang="en-US"/>
+          </a:p>
+        </p:txBody>
+      </p:sp>
+    </p:spTree>
+    <p:extLst>
+      <p:ext uri="{BB962C8B-B14F-4D97-AF65-F5344CB8AC3E}">
+        <p14:creationId xmlns:p14="http://schemas.microsoft.com/office/powerpoint/2010/main" val="2641114496"/>
+      </p:ext>
+    </p:extLst>
+  </p:cSld>
+  <p:clrMapOvr>
+    <a:masterClrMapping/>
+  </p:clrMapOvr>
+</p:sld>
+</file>
+
+<file path=ppt/slides/slide4.xml><?xml version="1.0" encoding="utf-8"?>
+<p:sld xmlns:a="http://schemas.openxmlformats.org/drawingml/2006/main" xmlns:r="http://schemas.openxmlformats.org/officeDocument/2006/relationships" xmlns:p="http://schemas.openxmlformats.org/presentationml/2006/main">
+  <p:cSld>
+    <p:spTree>
+      <p:nvGrpSpPr>
+        <p:cNvPr id="1" name=""/>
+        <p:cNvGrpSpPr/>
+        <p:nvPr/>
+      </p:nvGrpSpPr>
+      <p:grpSpPr>
+        <a:xfrm>
+          <a:off x="0" y="0"/>
+          <a:ext cx="0" cy="0"/>
+          <a:chOff x="0" y="0"/>
+          <a:chExt cx="0" cy="0"/>
+        </a:xfrm>
+      </p:grpSpPr>
+      <p:pic>
+        <p:nvPicPr>
+          <p:cNvPr id="3" name="Picture 2">
+            <a:extLst>
+              <a:ext uri="{FF2B5EF4-FFF2-40B4-BE49-F238E27FC236}">
+                <a16:creationId xmlns:a16="http://schemas.microsoft.com/office/drawing/2014/main" id="{02CEB69B-3211-2148-31AA-5F69E7F2B37D}"/>
+              </a:ext>
+            </a:extLst>
+          </p:cNvPr>
+          <p:cNvPicPr>
+            <a:picLocks noChangeAspect="1"/>
+          </p:cNvPicPr>
+          <p:nvPr/>
+        </p:nvPicPr>
+        <p:blipFill rotWithShape="1">
+          <a:blip r:embed="rId2"/>
+          <a:srcRect t="15556"/>
+          <a:stretch/>
+        </p:blipFill>
+        <p:spPr>
+          <a:xfrm>
+            <a:off x="0" y="1066800"/>
+            <a:ext cx="12192000" cy="5791200"/>
+          </a:xfrm>
+          <a:prstGeom prst="rect">
+            <a:avLst/>
+          </a:prstGeom>
+        </p:spPr>
+      </p:pic>
+      <p:sp>
+        <p:nvSpPr>
+          <p:cNvPr id="4" name="Slide Number Placeholder 3">
+            <a:extLst>
+              <a:ext uri="{FF2B5EF4-FFF2-40B4-BE49-F238E27FC236}">
+                <a16:creationId xmlns:a16="http://schemas.microsoft.com/office/drawing/2014/main" id="{AB463FB2-FF7A-4240-7A4B-83E34A568C57}"/>
+              </a:ext>
+            </a:extLst>
+          </p:cNvPr>
+          <p:cNvSpPr>
+            <a:spLocks noGrp="1"/>
+          </p:cNvSpPr>
+          <p:nvPr>
+            <p:ph type="sldNum" idx="12"/>
+          </p:nvPr>
+        </p:nvSpPr>
+        <p:spPr/>
+        <p:txBody>
+          <a:bodyPr/>
+          <a:lstStyle/>
+          <a:p>
+            <a:pPr marL="0" lvl="0" indent="0" algn="r" rtl="0">
+              <a:spcBef>
+                <a:spcPts val="0"/>
+              </a:spcBef>
+              <a:spcAft>
+                <a:spcPts val="0"/>
+              </a:spcAft>
+              <a:buNone/>
+            </a:pPr>
+            <a:fld id="{00000000-1234-1234-1234-123412341234}" type="slidenum">
+              <a:rPr lang="en-US" smtClean="0"/>
+              <a:t>4</a:t>
+            </a:fld>
+            <a:endParaRPr lang="en-US"/>
+          </a:p>
+        </p:txBody>
+      </p:sp>
+      <p:sp>
+        <p:nvSpPr>
+          <p:cNvPr id="6" name="Google Shape;102;p2">
+            <a:extLst>
+              <a:ext uri="{FF2B5EF4-FFF2-40B4-BE49-F238E27FC236}">
+                <a16:creationId xmlns:a16="http://schemas.microsoft.com/office/drawing/2014/main" id="{42A81C2A-E729-662C-078B-DFC1C7035090}"/>
+              </a:ext>
+            </a:extLst>
+          </p:cNvPr>
           <p:cNvSpPr txBox="1"/>
           <p:nvPr/>
         </p:nvSpPr>
         <p:spPr>
           <a:xfrm>
-            <a:off x="2865520" y="658976"/>
-            <a:ext cx="6460957" cy="923330"/>
+            <a:off x="1714500" y="160293"/>
+            <a:ext cx="8763000" cy="923289"/>
           </a:xfrm>
           <a:prstGeom prst="rect">
             <a:avLst/>
@@ -14662,7 +15353,7 @@
               <a:buNone/>
             </a:pPr>
             <a:r>
-              <a:rPr lang="en-US" sz="5400">
+              <a:rPr lang="en-US" sz="5400" b="0" i="0" u="none" strike="noStrike" cap="none" dirty="0">
                 <a:solidFill>
                   <a:schemeClr val="dk1"/>
                 </a:solidFill>
@@ -14671,22 +15362,125 @@
                 <a:cs typeface="Economica"/>
                 <a:sym typeface="Economica"/>
               </a:rPr>
-              <a:t>RNN: Processing /w Memory</a:t>
+              <a:t>Bag of Words Approach (Dense Layer)</a:t>
             </a:r>
-            <a:endParaRPr/>
+            <a:endParaRPr dirty="0"/>
+          </a:p>
+        </p:txBody>
+      </p:sp>
+    </p:spTree>
+    <p:extLst>
+      <p:ext uri="{BB962C8B-B14F-4D97-AF65-F5344CB8AC3E}">
+        <p14:creationId xmlns:p14="http://schemas.microsoft.com/office/powerpoint/2010/main" val="2541854897"/>
+      </p:ext>
+    </p:extLst>
+  </p:cSld>
+  <p:clrMapOvr>
+    <a:masterClrMapping/>
+  </p:clrMapOvr>
+</p:sld>
+</file>
+
+<file path=ppt/slides/slide5.xml><?xml version="1.0" encoding="utf-8"?>
+<p:sld xmlns:a="http://schemas.openxmlformats.org/drawingml/2006/main" xmlns:r="http://schemas.openxmlformats.org/officeDocument/2006/relationships" xmlns:p="http://schemas.openxmlformats.org/presentationml/2006/main">
+  <p:cSld>
+    <p:spTree>
+      <p:nvGrpSpPr>
+        <p:cNvPr id="1" name=""/>
+        <p:cNvGrpSpPr/>
+        <p:nvPr/>
+      </p:nvGrpSpPr>
+      <p:grpSpPr>
+        <a:xfrm>
+          <a:off x="0" y="0"/>
+          <a:ext cx="0" cy="0"/>
+          <a:chOff x="0" y="0"/>
+          <a:chExt cx="0" cy="0"/>
+        </a:xfrm>
+      </p:grpSpPr>
+      <p:pic>
+        <p:nvPicPr>
+          <p:cNvPr id="5" name="Picture 4">
+            <a:extLst>
+              <a:ext uri="{FF2B5EF4-FFF2-40B4-BE49-F238E27FC236}">
+                <a16:creationId xmlns:a16="http://schemas.microsoft.com/office/drawing/2014/main" id="{8E9D2762-21A2-22A8-2B4F-DB0A70BC8570}"/>
+              </a:ext>
+            </a:extLst>
+          </p:cNvPr>
+          <p:cNvPicPr>
+            <a:picLocks noChangeAspect="1"/>
+          </p:cNvPicPr>
+          <p:nvPr/>
+        </p:nvPicPr>
+        <p:blipFill rotWithShape="1">
+          <a:blip r:embed="rId2"/>
+          <a:srcRect t="16826"/>
+          <a:stretch/>
+        </p:blipFill>
+        <p:spPr>
+          <a:xfrm>
+            <a:off x="0" y="1153886"/>
+            <a:ext cx="12192000" cy="5704114"/>
+          </a:xfrm>
+          <a:prstGeom prst="rect">
+            <a:avLst/>
+          </a:prstGeom>
+        </p:spPr>
+      </p:pic>
+      <p:sp>
+        <p:nvSpPr>
+          <p:cNvPr id="4" name="Slide Number Placeholder 3">
+            <a:extLst>
+              <a:ext uri="{FF2B5EF4-FFF2-40B4-BE49-F238E27FC236}">
+                <a16:creationId xmlns:a16="http://schemas.microsoft.com/office/drawing/2014/main" id="{AB463FB2-FF7A-4240-7A4B-83E34A568C57}"/>
+              </a:ext>
+            </a:extLst>
+          </p:cNvPr>
+          <p:cNvSpPr>
+            <a:spLocks noGrp="1"/>
+          </p:cNvSpPr>
+          <p:nvPr>
+            <p:ph type="sldNum" idx="12"/>
+          </p:nvPr>
+        </p:nvSpPr>
+        <p:spPr/>
+        <p:txBody>
+          <a:bodyPr/>
+          <a:lstStyle/>
+          <a:p>
+            <a:pPr marL="0" lvl="0" indent="0" algn="r" rtl="0">
+              <a:spcBef>
+                <a:spcPts val="0"/>
+              </a:spcBef>
+              <a:spcAft>
+                <a:spcPts val="0"/>
+              </a:spcAft>
+              <a:buNone/>
+            </a:pPr>
+            <a:fld id="{00000000-1234-1234-1234-123412341234}" type="slidenum">
+              <a:rPr lang="en-US" smtClean="0"/>
+              <a:t>5</a:t>
+            </a:fld>
+            <a:endParaRPr lang="en-US"/>
           </a:p>
         </p:txBody>
       </p:sp>
       <p:sp>
         <p:nvSpPr>
-          <p:cNvPr id="131" name="Google Shape;131;p6"/>
+          <p:cNvPr id="6" name="Google Shape;102;p2">
+            <a:extLst>
+              <a:ext uri="{FF2B5EF4-FFF2-40B4-BE49-F238E27FC236}">
+                <a16:creationId xmlns:a16="http://schemas.microsoft.com/office/drawing/2014/main" id="{576AF303-E3D8-AED6-EE88-A7E043E427F2}"/>
+              </a:ext>
+            </a:extLst>
+          </p:cNvPr>
           <p:cNvSpPr txBox="1"/>
           <p:nvPr/>
         </p:nvSpPr>
         <p:spPr>
           <a:xfrm>
-            <a:off x="890337" y="1940249"/>
-            <a:ext cx="10016362" cy="1231106"/>
+            <a:off x="2865521" y="586938"/>
+            <a:ext cx="6460957" cy="923289"/>
           </a:xfrm>
           <a:prstGeom prst="rect">
             <a:avLst/>
@@ -14702,7 +15496,7 @@
           </a:bodyPr>
           <a:lstStyle/>
           <a:p>
-            <a:pPr marL="0" marR="0" lvl="0" indent="0" algn="l" rtl="0">
+            <a:pPr marL="0" marR="0" lvl="0" indent="0" algn="ctr" rtl="0">
               <a:spcBef>
                 <a:spcPts val="0"/>
               </a:spcBef>
@@ -14712,105 +15506,27 @@
               <a:buNone/>
             </a:pPr>
             <a:r>
-              <a:rPr lang="en-US" sz="2000" b="1">
+              <a:rPr lang="en-US" sz="5400" b="0" i="0" u="none" strike="noStrike" cap="none" dirty="0">
                 <a:solidFill>
                   <a:schemeClr val="dk1"/>
                 </a:solidFill>
-                <a:latin typeface="Quicksand"/>
-                <a:ea typeface="Quicksand"/>
-                <a:cs typeface="Quicksand"/>
-                <a:sym typeface="Quicksand"/>
+                <a:latin typeface="Economica"/>
+                <a:ea typeface="Economica"/>
+                <a:cs typeface="Economica"/>
+                <a:sym typeface="Economica"/>
               </a:rPr>
-              <a:t>Incorporating Memory into a NN</a:t>
+              <a:t>Problem: Word Order Matters</a:t>
             </a:r>
-            <a:endParaRPr/>
-          </a:p>
-          <a:p>
-            <a:pPr marL="285750" marR="0" lvl="0" indent="-285750" algn="l" rtl="0">
-              <a:spcBef>
-                <a:spcPts val="0"/>
-              </a:spcBef>
-              <a:spcAft>
-                <a:spcPts val="0"/>
-              </a:spcAft>
-              <a:buClr>
-                <a:schemeClr val="dk1"/>
-              </a:buClr>
-              <a:buSzPts val="1800"/>
-              <a:buFont typeface="Arial"/>
-              <a:buChar char="•"/>
-            </a:pPr>
-            <a:r>
-              <a:rPr lang="en-US" sz="1800">
-                <a:solidFill>
-                  <a:schemeClr val="dk1"/>
-                </a:solidFill>
-                <a:latin typeface="Calibri"/>
-                <a:ea typeface="Calibri"/>
-                <a:cs typeface="Calibri"/>
-                <a:sym typeface="Calibri"/>
-              </a:rPr>
-              <a:t>We include a feedback loop, where output feeds back into the same layer alongside the next input in the sequence (each gets its own separate set of weights, and they are able to interact with one another.</a:t>
-            </a:r>
-            <a:endParaRPr/>
+            <a:endParaRPr dirty="0"/>
           </a:p>
         </p:txBody>
       </p:sp>
-      <p:pic>
-        <p:nvPicPr>
-          <p:cNvPr id="132" name="Google Shape;132;p6"/>
-          <p:cNvPicPr preferRelativeResize="0"/>
-          <p:nvPr/>
-        </p:nvPicPr>
-        <p:blipFill rotWithShape="1">
-          <a:blip r:embed="rId3">
-            <a:alphaModFix/>
-          </a:blip>
-          <a:srcRect/>
-          <a:stretch/>
-        </p:blipFill>
-        <p:spPr>
-          <a:xfrm>
-            <a:off x="1511298" y="3541890"/>
-            <a:ext cx="2463800" cy="2070100"/>
-          </a:xfrm>
-          <a:prstGeom prst="rect">
-            <a:avLst/>
-          </a:prstGeom>
-          <a:noFill/>
-          <a:ln>
-            <a:noFill/>
-          </a:ln>
-        </p:spPr>
-      </p:pic>
-      <p:pic>
-        <p:nvPicPr>
-          <p:cNvPr id="133" name="Google Shape;133;p6"/>
-          <p:cNvPicPr preferRelativeResize="0"/>
-          <p:nvPr/>
-        </p:nvPicPr>
-        <p:blipFill rotWithShape="1">
-          <a:blip r:embed="rId4">
-            <a:alphaModFix/>
-          </a:blip>
-          <a:srcRect/>
-          <a:stretch/>
-        </p:blipFill>
-        <p:spPr>
-          <a:xfrm>
-            <a:off x="5034844" y="4036293"/>
-            <a:ext cx="6575776" cy="1198651"/>
-          </a:xfrm>
-          <a:prstGeom prst="rect">
-            <a:avLst/>
-          </a:prstGeom>
-          <a:noFill/>
-          <a:ln>
-            <a:noFill/>
-          </a:ln>
-        </p:spPr>
-      </p:pic>
     </p:spTree>
+    <p:extLst>
+      <p:ext uri="{BB962C8B-B14F-4D97-AF65-F5344CB8AC3E}">
+        <p14:creationId xmlns:p14="http://schemas.microsoft.com/office/powerpoint/2010/main" val="1827872383"/>
+      </p:ext>
+    </p:extLst>
   </p:cSld>
   <p:clrMapOvr>
     <a:masterClrMapping/>
@@ -14818,7 +15534,105 @@
 </p:sld>
 </file>
 
-<file path=ppt/slides/slide4.xml><?xml version="1.0" encoding="utf-8"?>
+<file path=ppt/slides/slide6.xml><?xml version="1.0" encoding="utf-8"?>
+<p:sld xmlns:a="http://schemas.openxmlformats.org/drawingml/2006/main" xmlns:r="http://schemas.openxmlformats.org/officeDocument/2006/relationships" xmlns:p="http://schemas.openxmlformats.org/presentationml/2006/main">
+  <p:cSld>
+    <p:spTree>
+      <p:nvGrpSpPr>
+        <p:cNvPr id="1" name=""/>
+        <p:cNvGrpSpPr/>
+        <p:nvPr/>
+      </p:nvGrpSpPr>
+      <p:grpSpPr>
+        <a:xfrm>
+          <a:off x="0" y="0"/>
+          <a:ext cx="0" cy="0"/>
+          <a:chOff x="0" y="0"/>
+          <a:chExt cx="0" cy="0"/>
+        </a:xfrm>
+      </p:grpSpPr>
+      <p:pic>
+        <p:nvPicPr>
+          <p:cNvPr id="6" name="Picture 5">
+            <a:extLst>
+              <a:ext uri="{FF2B5EF4-FFF2-40B4-BE49-F238E27FC236}">
+                <a16:creationId xmlns:a16="http://schemas.microsoft.com/office/drawing/2014/main" id="{85ECDD30-DC38-0DA6-95F0-49273CB715CA}"/>
+              </a:ext>
+            </a:extLst>
+          </p:cNvPr>
+          <p:cNvPicPr>
+            <a:picLocks noChangeAspect="1"/>
+          </p:cNvPicPr>
+          <p:nvPr/>
+        </p:nvPicPr>
+        <p:blipFill>
+          <a:blip r:embed="rId2"/>
+          <a:stretch>
+            <a:fillRect/>
+          </a:stretch>
+        </p:blipFill>
+        <p:spPr>
+          <a:xfrm>
+            <a:off x="0" y="0"/>
+            <a:ext cx="12192000" cy="6858000"/>
+          </a:xfrm>
+          <a:prstGeom prst="rect">
+            <a:avLst/>
+          </a:prstGeom>
+        </p:spPr>
+      </p:pic>
+      <p:sp>
+        <p:nvSpPr>
+          <p:cNvPr id="4" name="Slide Number Placeholder 3">
+            <a:extLst>
+              <a:ext uri="{FF2B5EF4-FFF2-40B4-BE49-F238E27FC236}">
+                <a16:creationId xmlns:a16="http://schemas.microsoft.com/office/drawing/2014/main" id="{7431BD65-70FD-2201-D197-EC36BAA6E90E}"/>
+              </a:ext>
+            </a:extLst>
+          </p:cNvPr>
+          <p:cNvSpPr>
+            <a:spLocks noGrp="1"/>
+          </p:cNvSpPr>
+          <p:nvPr>
+            <p:ph type="sldNum" idx="12"/>
+          </p:nvPr>
+        </p:nvSpPr>
+        <p:spPr/>
+        <p:txBody>
+          <a:bodyPr/>
+          <a:lstStyle/>
+          <a:p>
+            <a:pPr marL="0" lvl="0" indent="0" algn="r" rtl="0">
+              <a:spcBef>
+                <a:spcPts val="0"/>
+              </a:spcBef>
+              <a:spcAft>
+                <a:spcPts val="0"/>
+              </a:spcAft>
+              <a:buNone/>
+            </a:pPr>
+            <a:fld id="{00000000-1234-1234-1234-123412341234}" type="slidenum">
+              <a:rPr lang="en-US" smtClean="0"/>
+              <a:t>6</a:t>
+            </a:fld>
+            <a:endParaRPr lang="en-US"/>
+          </a:p>
+        </p:txBody>
+      </p:sp>
+    </p:spTree>
+    <p:extLst>
+      <p:ext uri="{BB962C8B-B14F-4D97-AF65-F5344CB8AC3E}">
+        <p14:creationId xmlns:p14="http://schemas.microsoft.com/office/powerpoint/2010/main" val="3310411789"/>
+      </p:ext>
+    </p:extLst>
+  </p:cSld>
+  <p:clrMapOvr>
+    <a:masterClrMapping/>
+  </p:clrMapOvr>
+</p:sld>
+</file>
+
+<file path=ppt/slides/slide7.xml><?xml version="1.0" encoding="utf-8"?>
 <p:sld xmlns:a="http://schemas.openxmlformats.org/drawingml/2006/main" xmlns:r="http://schemas.openxmlformats.org/officeDocument/2006/relationships" xmlns:p="http://schemas.openxmlformats.org/presentationml/2006/main">
   <p:cSld>
     <p:bg>
@@ -14878,7 +15692,7 @@
               <a:buNone/>
             </a:pPr>
             <a:r>
-              <a:rPr lang="en-US" sz="5400">
+              <a:rPr lang="en-US" sz="5400" dirty="0">
                 <a:solidFill>
                   <a:schemeClr val="dk1"/>
                 </a:solidFill>
@@ -14887,9 +15701,9 @@
                 <a:cs typeface="Economica"/>
                 <a:sym typeface="Economica"/>
               </a:rPr>
-              <a:t>Keras RNN Layers</a:t>
+              <a:t>RNN Layers</a:t>
             </a:r>
-            <a:endParaRPr/>
+            <a:endParaRPr dirty="0"/>
           </a:p>
         </p:txBody>
       </p:sp>
@@ -15003,7 +15817,7 @@
                 <a:cs typeface="Calibri"/>
                 <a:sym typeface="Calibri"/>
               </a:rPr>
-              <a:t>This is just a large Dense network with many inputs and many outputs. The inputs are arranged to interact with each other based on their temporal sequencing in the data.</a:t>
+              <a:t>This is just a large Dense network with many inputs and many outputs. The inputs are arranged to interact with (feed back upon) each other based on their ordering in the data.</a:t>
             </a:r>
             <a:endParaRPr dirty="0"/>
           </a:p>
@@ -15044,7 +15858,7 @@
 </p:sld>
 </file>
 
-<file path=ppt/slides/slide5.xml><?xml version="1.0" encoding="utf-8"?>
+<file path=ppt/slides/slide8.xml><?xml version="1.0" encoding="utf-8"?>
 <p:sld xmlns:a="http://schemas.openxmlformats.org/drawingml/2006/main" xmlns:r="http://schemas.openxmlformats.org/officeDocument/2006/relationships" xmlns:p="http://schemas.openxmlformats.org/presentationml/2006/main">
   <p:cSld>
     <p:bg>
@@ -15336,12 +16150,12 @@
 </p:sld>
 </file>
 
-<file path=ppt/slides/slide6.xml><?xml version="1.0" encoding="utf-8"?>
+<file path=ppt/slides/slide9.xml><?xml version="1.0" encoding="utf-8"?>
 <p:sld xmlns:a="http://schemas.openxmlformats.org/drawingml/2006/main" xmlns:r="http://schemas.openxmlformats.org/officeDocument/2006/relationships" xmlns:p="http://schemas.openxmlformats.org/presentationml/2006/main">
   <p:cSld>
     <p:spTree>
       <p:nvGrpSpPr>
-        <p:cNvPr id="1" name="Shape 153"/>
+        <p:cNvPr id="1" name=""/>
         <p:cNvGrpSpPr/>
         <p:nvPr/>
       </p:nvGrpSpPr>
@@ -15355,90 +16169,56 @@
       </p:grpSpPr>
       <p:pic>
         <p:nvPicPr>
-          <p:cNvPr id="154" name="Google Shape;154;g117d3bda9e2_0_0" descr="Illustrated Guide to LSTM&amp;#39;s and GRU&amp;#39;s: A step by step explanation | by  Michael Phi | Towards Data Science"/>
-          <p:cNvPicPr preferRelativeResize="0"/>
+          <p:cNvPr id="6" name="Picture 5">
+            <a:extLst>
+              <a:ext uri="{FF2B5EF4-FFF2-40B4-BE49-F238E27FC236}">
+                <a16:creationId xmlns:a16="http://schemas.microsoft.com/office/drawing/2014/main" id="{6613844E-581A-2521-35C4-7618EA107024}"/>
+              </a:ext>
+            </a:extLst>
+          </p:cNvPr>
+          <p:cNvPicPr>
+            <a:picLocks noChangeAspect="1"/>
+          </p:cNvPicPr>
           <p:nvPr/>
         </p:nvPicPr>
-        <p:blipFill rotWithShape="1">
-          <a:blip r:embed="rId3">
-            <a:alphaModFix/>
-          </a:blip>
-          <a:srcRect r="50000" b="31029"/>
-          <a:stretch/>
+        <p:blipFill>
+          <a:blip r:embed="rId2"/>
+          <a:stretch>
+            <a:fillRect/>
+          </a:stretch>
         </p:blipFill>
         <p:spPr>
           <a:xfrm>
-            <a:off x="2229614" y="299076"/>
-            <a:ext cx="7478151" cy="6558926"/>
+            <a:off x="0" y="0"/>
+            <a:ext cx="12192000" cy="6858000"/>
           </a:xfrm>
           <a:prstGeom prst="rect">
             <a:avLst/>
           </a:prstGeom>
-          <a:noFill/>
-          <a:ln>
-            <a:noFill/>
-          </a:ln>
         </p:spPr>
       </p:pic>
-    </p:spTree>
-  </p:cSld>
-  <p:clrMapOvr>
-    <a:masterClrMapping/>
-  </p:clrMapOvr>
-</p:sld>
-</file>
-
-<file path=ppt/slides/slide7.xml><?xml version="1.0" encoding="utf-8"?>
-<p:sld xmlns:a="http://schemas.openxmlformats.org/drawingml/2006/main" xmlns:r="http://schemas.openxmlformats.org/officeDocument/2006/relationships" xmlns:p="http://schemas.openxmlformats.org/presentationml/2006/main">
-  <p:cSld>
-    <p:bg>
-      <p:bgPr>
-        <a:solidFill>
-          <a:srgbClr val="FFFFFF"/>
-        </a:solidFill>
-        <a:effectLst/>
-      </p:bgPr>
-    </p:bg>
-    <p:spTree>
-      <p:nvGrpSpPr>
-        <p:cNvPr id="1" name="Shape 159"/>
-        <p:cNvGrpSpPr/>
-        <p:nvPr/>
-      </p:nvGrpSpPr>
-      <p:grpSpPr>
-        <a:xfrm>
-          <a:off x="0" y="0"/>
-          <a:ext cx="0" cy="0"/>
-          <a:chOff x="0" y="0"/>
-          <a:chExt cx="0" cy="0"/>
-        </a:xfrm>
-      </p:grpSpPr>
       <p:sp>
         <p:nvSpPr>
-          <p:cNvPr id="160" name="Google Shape;160;p9"/>
-          <p:cNvSpPr txBox="1"/>
-          <p:nvPr/>
+          <p:cNvPr id="4" name="Slide Number Placeholder 3">
+            <a:extLst>
+              <a:ext uri="{FF2B5EF4-FFF2-40B4-BE49-F238E27FC236}">
+                <a16:creationId xmlns:a16="http://schemas.microsoft.com/office/drawing/2014/main" id="{3B320137-42CF-15C5-46F4-41A0AD98FB7C}"/>
+              </a:ext>
+            </a:extLst>
+          </p:cNvPr>
+          <p:cNvSpPr>
+            <a:spLocks noGrp="1"/>
+          </p:cNvSpPr>
+          <p:nvPr>
+            <p:ph type="sldNum" idx="12"/>
+          </p:nvPr>
         </p:nvSpPr>
-        <p:spPr>
-          <a:xfrm>
-            <a:off x="2865520" y="658976"/>
-            <a:ext cx="6460957" cy="923330"/>
-          </a:xfrm>
-          <a:prstGeom prst="rect">
-            <a:avLst/>
-          </a:prstGeom>
-          <a:noFill/>
-          <a:ln>
-            <a:noFill/>
-          </a:ln>
-        </p:spPr>
+        <p:spPr/>
         <p:txBody>
-          <a:bodyPr spcFirstLastPara="1" wrap="square" lIns="91425" tIns="45700" rIns="91425" bIns="45700" anchor="t" anchorCtr="0">
-            <a:spAutoFit/>
-          </a:bodyPr>
+          <a:bodyPr/>
           <a:lstStyle/>
           <a:p>
-            <a:pPr marL="0" marR="0" lvl="0" indent="0" algn="ctr" rtl="0">
+            <a:pPr marL="0" lvl="0" indent="0" algn="r" rtl="0">
               <a:spcBef>
                 <a:spcPts val="0"/>
               </a:spcBef>
@@ -15447,621 +16227,20 @@
               </a:spcAft>
               <a:buNone/>
             </a:pPr>
-            <a:r>
-              <a:rPr lang="en-US" sz="5400">
-                <a:solidFill>
-                  <a:schemeClr val="dk1"/>
-                </a:solidFill>
-                <a:latin typeface="Economica"/>
-                <a:ea typeface="Economica"/>
-                <a:cs typeface="Economica"/>
-                <a:sym typeface="Economica"/>
-              </a:rPr>
-              <a:t>Keras RNN Layers</a:t>
-            </a:r>
-            <a:endParaRPr/>
+            <a:fld id="{00000000-1234-1234-1234-123412341234}" type="slidenum">
+              <a:rPr lang="en-US" smtClean="0"/>
+              <a:t>9</a:t>
+            </a:fld>
+            <a:endParaRPr lang="en-US"/>
           </a:p>
         </p:txBody>
       </p:sp>
-      <p:sp>
-        <p:nvSpPr>
-          <p:cNvPr id="161" name="Google Shape;161;p9"/>
-          <p:cNvSpPr txBox="1"/>
-          <p:nvPr/>
-        </p:nvSpPr>
-        <p:spPr>
-          <a:xfrm>
-            <a:off x="890337" y="1861226"/>
-            <a:ext cx="10016362" cy="400110"/>
-          </a:xfrm>
-          <a:prstGeom prst="rect">
-            <a:avLst/>
-          </a:prstGeom>
-          <a:noFill/>
-          <a:ln>
-            <a:noFill/>
-          </a:ln>
-        </p:spPr>
-        <p:txBody>
-          <a:bodyPr spcFirstLastPara="1" wrap="square" lIns="91425" tIns="45700" rIns="91425" bIns="45700" anchor="t" anchorCtr="0">
-            <a:spAutoFit/>
-          </a:bodyPr>
-          <a:lstStyle/>
-          <a:p>
-            <a:pPr marL="0" marR="0" lvl="0" indent="0" algn="l" rtl="0">
-              <a:spcBef>
-                <a:spcPts val="0"/>
-              </a:spcBef>
-              <a:spcAft>
-                <a:spcPts val="0"/>
-              </a:spcAft>
-              <a:buNone/>
-            </a:pPr>
-            <a:r>
-              <a:rPr lang="en-US" sz="2000" b="1">
-                <a:solidFill>
-                  <a:schemeClr val="dk1"/>
-                </a:solidFill>
-                <a:latin typeface="Quicksand"/>
-                <a:ea typeface="Quicksand"/>
-                <a:cs typeface="Quicksand"/>
-                <a:sym typeface="Quicksand"/>
-              </a:rPr>
-              <a:t>Long Short-Term Memory (LSTM)</a:t>
-            </a:r>
-            <a:endParaRPr/>
-          </a:p>
-        </p:txBody>
-      </p:sp>
-      <p:pic>
-        <p:nvPicPr>
-          <p:cNvPr id="162" name="Google Shape;162;p9"/>
-          <p:cNvPicPr preferRelativeResize="0"/>
-          <p:nvPr/>
-        </p:nvPicPr>
-        <p:blipFill rotWithShape="1">
-          <a:blip r:embed="rId3">
-            <a:alphaModFix/>
-          </a:blip>
-          <a:srcRect/>
-          <a:stretch/>
-        </p:blipFill>
-        <p:spPr>
-          <a:xfrm>
-            <a:off x="2127248" y="2540256"/>
-            <a:ext cx="7937500" cy="3416300"/>
-          </a:xfrm>
-          <a:prstGeom prst="rect">
-            <a:avLst/>
-          </a:prstGeom>
-          <a:noFill/>
-          <a:ln>
-            <a:noFill/>
-          </a:ln>
-        </p:spPr>
-      </p:pic>
     </p:spTree>
-  </p:cSld>
-  <p:clrMapOvr>
-    <a:masterClrMapping/>
-  </p:clrMapOvr>
-</p:sld>
-</file>
-
-<file path=ppt/slides/slide8.xml><?xml version="1.0" encoding="utf-8"?>
-<p:sld xmlns:a="http://schemas.openxmlformats.org/drawingml/2006/main" xmlns:r="http://schemas.openxmlformats.org/officeDocument/2006/relationships" xmlns:p="http://schemas.openxmlformats.org/presentationml/2006/main">
-  <p:cSld>
-    <p:bg>
-      <p:bgPr>
-        <a:solidFill>
-          <a:srgbClr val="FFFFFF"/>
-        </a:solidFill>
-        <a:effectLst/>
-      </p:bgPr>
-    </p:bg>
-    <p:spTree>
-      <p:nvGrpSpPr>
-        <p:cNvPr id="1" name="Shape 166"/>
-        <p:cNvGrpSpPr/>
-        <p:nvPr/>
-      </p:nvGrpSpPr>
-      <p:grpSpPr>
-        <a:xfrm>
-          <a:off x="0" y="0"/>
-          <a:ext cx="0" cy="0"/>
-          <a:chOff x="0" y="0"/>
-          <a:chExt cx="0" cy="0"/>
-        </a:xfrm>
-      </p:grpSpPr>
-      <p:sp>
-        <p:nvSpPr>
-          <p:cNvPr id="167" name="Google Shape;167;p10"/>
-          <p:cNvSpPr txBox="1"/>
-          <p:nvPr/>
-        </p:nvSpPr>
-        <p:spPr>
-          <a:xfrm>
-            <a:off x="2865520" y="658976"/>
-            <a:ext cx="6460957" cy="923330"/>
-          </a:xfrm>
-          <a:prstGeom prst="rect">
-            <a:avLst/>
-          </a:prstGeom>
-          <a:noFill/>
-          <a:ln>
-            <a:noFill/>
-          </a:ln>
-        </p:spPr>
-        <p:txBody>
-          <a:bodyPr spcFirstLastPara="1" wrap="square" lIns="91425" tIns="45700" rIns="91425" bIns="45700" anchor="t" anchorCtr="0">
-            <a:spAutoFit/>
-          </a:bodyPr>
-          <a:lstStyle/>
-          <a:p>
-            <a:pPr marL="0" marR="0" lvl="0" indent="0" algn="ctr" rtl="0">
-              <a:spcBef>
-                <a:spcPts val="0"/>
-              </a:spcBef>
-              <a:spcAft>
-                <a:spcPts val="0"/>
-              </a:spcAft>
-              <a:buNone/>
-            </a:pPr>
-            <a:r>
-              <a:rPr lang="en-US" sz="5400">
-                <a:solidFill>
-                  <a:schemeClr val="dk1"/>
-                </a:solidFill>
-                <a:latin typeface="Economica"/>
-                <a:ea typeface="Economica"/>
-                <a:cs typeface="Economica"/>
-                <a:sym typeface="Economica"/>
-              </a:rPr>
-              <a:t>Keras RNN Layers</a:t>
-            </a:r>
-            <a:endParaRPr/>
-          </a:p>
-        </p:txBody>
-      </p:sp>
-      <p:sp>
-        <p:nvSpPr>
-          <p:cNvPr id="168" name="Google Shape;168;p10"/>
-          <p:cNvSpPr txBox="1"/>
-          <p:nvPr/>
-        </p:nvSpPr>
-        <p:spPr>
-          <a:xfrm>
-            <a:off x="890337" y="1861226"/>
-            <a:ext cx="10016362" cy="1508105"/>
-          </a:xfrm>
-          <a:prstGeom prst="rect">
-            <a:avLst/>
-          </a:prstGeom>
-          <a:noFill/>
-          <a:ln>
-            <a:noFill/>
-          </a:ln>
-        </p:spPr>
-        <p:txBody>
-          <a:bodyPr spcFirstLastPara="1" wrap="square" lIns="91425" tIns="45700" rIns="91425" bIns="45700" anchor="t" anchorCtr="0">
-            <a:spAutoFit/>
-          </a:bodyPr>
-          <a:lstStyle/>
-          <a:p>
-            <a:pPr marL="0" marR="0" lvl="0" indent="0" algn="l" rtl="0">
-              <a:spcBef>
-                <a:spcPts val="0"/>
-              </a:spcBef>
-              <a:spcAft>
-                <a:spcPts val="0"/>
-              </a:spcAft>
-              <a:buNone/>
-            </a:pPr>
-            <a:r>
-              <a:rPr lang="en-US" sz="2000" b="1">
-                <a:solidFill>
-                  <a:schemeClr val="dk1"/>
-                </a:solidFill>
-                <a:latin typeface="Quicksand"/>
-                <a:ea typeface="Quicksand"/>
-                <a:cs typeface="Quicksand"/>
-                <a:sym typeface="Quicksand"/>
-              </a:rPr>
-              <a:t>Gated Recurrent Unit (GRU)</a:t>
-            </a:r>
-            <a:endParaRPr/>
-          </a:p>
-          <a:p>
-            <a:pPr marL="285750" marR="0" lvl="0" indent="-285750" algn="l" rtl="0">
-              <a:spcBef>
-                <a:spcPts val="0"/>
-              </a:spcBef>
-              <a:spcAft>
-                <a:spcPts val="0"/>
-              </a:spcAft>
-              <a:buClr>
-                <a:schemeClr val="dk1"/>
-              </a:buClr>
-              <a:buSzPts val="1800"/>
-              <a:buFont typeface="Arial"/>
-              <a:buChar char="•"/>
-            </a:pPr>
-            <a:r>
-              <a:rPr lang="en-US" sz="1800">
-                <a:solidFill>
-                  <a:schemeClr val="dk1"/>
-                </a:solidFill>
-                <a:latin typeface="Calibri"/>
-                <a:ea typeface="Calibri"/>
-                <a:cs typeface="Calibri"/>
-                <a:sym typeface="Calibri"/>
-              </a:rPr>
-              <a:t>Less complex than an LSTM. Combines elements of the LSTM into simpler gated structure.</a:t>
-            </a:r>
-            <a:endParaRPr/>
-          </a:p>
-          <a:p>
-            <a:pPr marL="285750" marR="0" lvl="0" indent="-285750" algn="l" rtl="0">
-              <a:spcBef>
-                <a:spcPts val="0"/>
-              </a:spcBef>
-              <a:spcAft>
-                <a:spcPts val="0"/>
-              </a:spcAft>
-              <a:buClr>
-                <a:schemeClr val="dk1"/>
-              </a:buClr>
-              <a:buSzPts val="1800"/>
-              <a:buFont typeface="Arial"/>
-              <a:buChar char="•"/>
-            </a:pPr>
-            <a:r>
-              <a:rPr lang="en-US" sz="1800">
-                <a:solidFill>
-                  <a:schemeClr val="dk1"/>
-                </a:solidFill>
-                <a:latin typeface="Calibri"/>
-                <a:ea typeface="Calibri"/>
-                <a:cs typeface="Calibri"/>
-                <a:sym typeface="Calibri"/>
-              </a:rPr>
-              <a:t>Fits more quickly, with less data, but memory tends to be shorter.</a:t>
-            </a:r>
-            <a:endParaRPr/>
-          </a:p>
-          <a:p>
-            <a:pPr marL="285750" marR="0" lvl="0" indent="-285750" algn="l" rtl="0">
-              <a:spcBef>
-                <a:spcPts val="0"/>
-              </a:spcBef>
-              <a:spcAft>
-                <a:spcPts val="0"/>
-              </a:spcAft>
-              <a:buClr>
-                <a:schemeClr val="dk1"/>
-              </a:buClr>
-              <a:buSzPts val="1800"/>
-              <a:buFont typeface="Arial"/>
-              <a:buChar char="•"/>
-            </a:pPr>
-            <a:r>
-              <a:rPr lang="en-US" sz="1800">
-                <a:solidFill>
-                  <a:schemeClr val="dk1"/>
-                </a:solidFill>
-                <a:latin typeface="Calibri"/>
-                <a:ea typeface="Calibri"/>
-                <a:cs typeface="Calibri"/>
-                <a:sym typeface="Calibri"/>
-              </a:rPr>
-              <a:t>More common in NLP tasks, e.g., because “within sentence” or “within paragraph” memory is often sufficient.</a:t>
-            </a:r>
-            <a:endParaRPr/>
-          </a:p>
-        </p:txBody>
-      </p:sp>
-      <p:pic>
-        <p:nvPicPr>
-          <p:cNvPr id="169" name="Google Shape;169;p10" descr="Illustrated Guide to LSTM&amp;#39;s and GRU&amp;#39;s: A step by step explanation | by  Michael Phi | Towards Data Science"/>
-          <p:cNvPicPr preferRelativeResize="0"/>
-          <p:nvPr/>
-        </p:nvPicPr>
-        <p:blipFill rotWithShape="1">
-          <a:blip r:embed="rId3">
-            <a:alphaModFix/>
-          </a:blip>
-          <a:srcRect l="55149" t="750" r="-12" b="32032"/>
-          <a:stretch/>
-        </p:blipFill>
-        <p:spPr>
-          <a:xfrm>
-            <a:off x="1643692" y="3488670"/>
-            <a:ext cx="3206663" cy="3055012"/>
-          </a:xfrm>
-          <a:prstGeom prst="rect">
-            <a:avLst/>
-          </a:prstGeom>
-          <a:noFill/>
-          <a:ln>
-            <a:noFill/>
-          </a:ln>
-        </p:spPr>
-      </p:pic>
-      <p:pic>
-        <p:nvPicPr>
-          <p:cNvPr id="170" name="Google Shape;170;p10" descr="Illustrated Guide to LSTM&amp;#39;s and GRU&amp;#39;s: A step by step explanation | by  Michael Phi | Towards Data Science"/>
-          <p:cNvPicPr preferRelativeResize="0"/>
-          <p:nvPr/>
-        </p:nvPicPr>
-        <p:blipFill rotWithShape="1">
-          <a:blip r:embed="rId3">
-            <a:alphaModFix/>
-          </a:blip>
-          <a:srcRect t="69967" r="-12" b="-750"/>
-          <a:stretch/>
-        </p:blipFill>
-        <p:spPr>
-          <a:xfrm>
-            <a:off x="5303407" y="3968011"/>
-            <a:ext cx="5919913" cy="1158657"/>
-          </a:xfrm>
-          <a:prstGeom prst="rect">
-            <a:avLst/>
-          </a:prstGeom>
-          <a:noFill/>
-          <a:ln>
-            <a:noFill/>
-          </a:ln>
-        </p:spPr>
-      </p:pic>
-    </p:spTree>
-  </p:cSld>
-  <p:clrMapOvr>
-    <a:masterClrMapping/>
-  </p:clrMapOvr>
-</p:sld>
-</file>
-
-<file path=ppt/slides/slide9.xml><?xml version="1.0" encoding="utf-8"?>
-<p:sld xmlns:a="http://schemas.openxmlformats.org/drawingml/2006/main" xmlns:r="http://schemas.openxmlformats.org/officeDocument/2006/relationships" xmlns:p="http://schemas.openxmlformats.org/presentationml/2006/main" show="0">
-  <p:cSld>
-    <p:bg>
-      <p:bgPr>
-        <a:solidFill>
-          <a:srgbClr val="FFFFFF"/>
-        </a:solidFill>
-        <a:effectLst/>
-      </p:bgPr>
-    </p:bg>
-    <p:spTree>
-      <p:nvGrpSpPr>
-        <p:cNvPr id="1" name="Shape 174"/>
-        <p:cNvGrpSpPr/>
-        <p:nvPr/>
-      </p:nvGrpSpPr>
-      <p:grpSpPr>
-        <a:xfrm>
-          <a:off x="0" y="0"/>
-          <a:ext cx="0" cy="0"/>
-          <a:chOff x="0" y="0"/>
-          <a:chExt cx="0" cy="0"/>
-        </a:xfrm>
-      </p:grpSpPr>
-      <p:sp>
-        <p:nvSpPr>
-          <p:cNvPr id="175" name="Google Shape;175;p11"/>
-          <p:cNvSpPr txBox="1"/>
-          <p:nvPr/>
-        </p:nvSpPr>
-        <p:spPr>
-          <a:xfrm>
-            <a:off x="2865520" y="658976"/>
-            <a:ext cx="6460957" cy="923330"/>
-          </a:xfrm>
-          <a:prstGeom prst="rect">
-            <a:avLst/>
-          </a:prstGeom>
-          <a:noFill/>
-          <a:ln>
-            <a:noFill/>
-          </a:ln>
-        </p:spPr>
-        <p:txBody>
-          <a:bodyPr spcFirstLastPara="1" wrap="square" lIns="91425" tIns="45700" rIns="91425" bIns="45700" anchor="t" anchorCtr="0">
-            <a:spAutoFit/>
-          </a:bodyPr>
-          <a:lstStyle/>
-          <a:p>
-            <a:pPr marL="0" marR="0" lvl="0" indent="0" algn="ctr" rtl="0">
-              <a:spcBef>
-                <a:spcPts val="0"/>
-              </a:spcBef>
-              <a:spcAft>
-                <a:spcPts val="0"/>
-              </a:spcAft>
-              <a:buNone/>
-            </a:pPr>
-            <a:r>
-              <a:rPr lang="en-US" sz="5400">
-                <a:solidFill>
-                  <a:schemeClr val="dk1"/>
-                </a:solidFill>
-                <a:latin typeface="Economica"/>
-                <a:ea typeface="Economica"/>
-                <a:cs typeface="Economica"/>
-                <a:sym typeface="Economica"/>
-              </a:rPr>
-              <a:t>Fighting Overfitting in RNNs</a:t>
-            </a:r>
-            <a:endParaRPr/>
-          </a:p>
-        </p:txBody>
-      </p:sp>
-      <p:sp>
-        <p:nvSpPr>
-          <p:cNvPr id="176" name="Google Shape;176;p11"/>
-          <p:cNvSpPr txBox="1"/>
-          <p:nvPr/>
-        </p:nvSpPr>
-        <p:spPr>
-          <a:xfrm>
-            <a:off x="890337" y="1861226"/>
-            <a:ext cx="10016362" cy="1785104"/>
-          </a:xfrm>
-          <a:prstGeom prst="rect">
-            <a:avLst/>
-          </a:prstGeom>
-          <a:noFill/>
-          <a:ln>
-            <a:noFill/>
-          </a:ln>
-        </p:spPr>
-        <p:txBody>
-          <a:bodyPr spcFirstLastPara="1" wrap="square" lIns="91425" tIns="45700" rIns="91425" bIns="45700" anchor="t" anchorCtr="0">
-            <a:spAutoFit/>
-          </a:bodyPr>
-          <a:lstStyle/>
-          <a:p>
-            <a:pPr marL="0" marR="0" lvl="0" indent="0" algn="l" rtl="0">
-              <a:spcBef>
-                <a:spcPts val="0"/>
-              </a:spcBef>
-              <a:spcAft>
-                <a:spcPts val="0"/>
-              </a:spcAft>
-              <a:buNone/>
-            </a:pPr>
-            <a:r>
-              <a:rPr lang="en-US" sz="2000" b="1">
-                <a:solidFill>
-                  <a:schemeClr val="dk1"/>
-                </a:solidFill>
-                <a:latin typeface="Quicksand"/>
-                <a:ea typeface="Quicksand"/>
-                <a:cs typeface="Quicksand"/>
-                <a:sym typeface="Quicksand"/>
-              </a:rPr>
-              <a:t>Recurrent Dropout</a:t>
-            </a:r>
-            <a:endParaRPr/>
-          </a:p>
-          <a:p>
-            <a:pPr marL="285750" marR="0" lvl="0" indent="-285750" algn="l" rtl="0">
-              <a:spcBef>
-                <a:spcPts val="0"/>
-              </a:spcBef>
-              <a:spcAft>
-                <a:spcPts val="0"/>
-              </a:spcAft>
-              <a:buClr>
-                <a:schemeClr val="dk1"/>
-              </a:buClr>
-              <a:buSzPts val="1800"/>
-              <a:buFont typeface="Arial"/>
-              <a:buChar char="•"/>
-            </a:pPr>
-            <a:r>
-              <a:rPr lang="en-US" sz="1800">
-                <a:solidFill>
-                  <a:schemeClr val="dk1"/>
-                </a:solidFill>
-                <a:latin typeface="Calibri"/>
-                <a:ea typeface="Calibri"/>
-                <a:cs typeface="Calibri"/>
-                <a:sym typeface="Calibri"/>
-              </a:rPr>
-              <a:t>We can apply dropout in a fixed fashion to all the recurrent steps within an RNN layer.</a:t>
-            </a:r>
-            <a:endParaRPr/>
-          </a:p>
-          <a:p>
-            <a:pPr marL="285750" marR="0" lvl="0" indent="-285750" algn="l" rtl="0">
-              <a:spcBef>
-                <a:spcPts val="0"/>
-              </a:spcBef>
-              <a:spcAft>
-                <a:spcPts val="0"/>
-              </a:spcAft>
-              <a:buClr>
-                <a:schemeClr val="dk1"/>
-              </a:buClr>
-              <a:buSzPts val="1800"/>
-              <a:buFont typeface="Arial"/>
-              <a:buChar char="•"/>
-            </a:pPr>
-            <a:r>
-              <a:rPr lang="en-US" sz="1800">
-                <a:solidFill>
-                  <a:schemeClr val="dk1"/>
-                </a:solidFill>
-                <a:latin typeface="Calibri"/>
-                <a:ea typeface="Calibri"/>
-                <a:cs typeface="Calibri"/>
-                <a:sym typeface="Calibri"/>
-              </a:rPr>
-              <a:t>The recurrent_dropout argument achieves this (ensures we are applying it homogenously at each time step). </a:t>
-            </a:r>
-            <a:endParaRPr/>
-          </a:p>
-          <a:p>
-            <a:pPr marL="285750" marR="0" lvl="0" indent="-285750" algn="l" rtl="0">
-              <a:spcBef>
-                <a:spcPts val="0"/>
-              </a:spcBef>
-              <a:spcAft>
-                <a:spcPts val="0"/>
-              </a:spcAft>
-              <a:buClr>
-                <a:schemeClr val="dk1"/>
-              </a:buClr>
-              <a:buSzPts val="1800"/>
-              <a:buFont typeface="Arial"/>
-              <a:buChar char="•"/>
-            </a:pPr>
-            <a:r>
-              <a:rPr lang="en-US" sz="1800">
-                <a:solidFill>
-                  <a:schemeClr val="dk1"/>
-                </a:solidFill>
-                <a:latin typeface="Calibri"/>
-                <a:ea typeface="Calibri"/>
-                <a:cs typeface="Calibri"/>
-                <a:sym typeface="Calibri"/>
-              </a:rPr>
-              <a:t>The dropout argument applies dropout to the inputs entering the RNN layer (like the Dropout you’ve seen previously). </a:t>
-            </a:r>
-            <a:endParaRPr/>
-          </a:p>
-        </p:txBody>
-      </p:sp>
-      <p:pic>
-        <p:nvPicPr>
-          <p:cNvPr id="177" name="Google Shape;177;p11"/>
-          <p:cNvPicPr preferRelativeResize="0"/>
-          <p:nvPr/>
-        </p:nvPicPr>
-        <p:blipFill rotWithShape="1">
-          <a:blip r:embed="rId3">
-            <a:alphaModFix/>
-          </a:blip>
-          <a:srcRect/>
-          <a:stretch/>
-        </p:blipFill>
-        <p:spPr>
-          <a:xfrm>
-            <a:off x="2938712" y="3756799"/>
-            <a:ext cx="5919611" cy="2815190"/>
-          </a:xfrm>
-          <a:prstGeom prst="rect">
-            <a:avLst/>
-          </a:prstGeom>
-          <a:noFill/>
-          <a:ln>
-            <a:noFill/>
-          </a:ln>
-        </p:spPr>
-      </p:pic>
-    </p:spTree>
+    <p:extLst>
+      <p:ext uri="{BB962C8B-B14F-4D97-AF65-F5344CB8AC3E}">
+        <p14:creationId xmlns:p14="http://schemas.microsoft.com/office/powerpoint/2010/main" val="1144737334"/>
+      </p:ext>
+    </p:extLst>
   </p:cSld>
   <p:clrMapOvr>
     <a:masterClrMapping/>
